--- a/3. SQL/3. Joins/3. SQL Joins.pptx
+++ b/3. SQL/3. Joins/3. SQL Joins.pptx
@@ -3189,9 +3189,13 @@
   <p:cSld>
     <p:bg>
       <p:bgPr>
-        <a:solidFill>
-          <a:srgbClr val="EDDACC"/>
-        </a:solidFill>
+        <a:blipFill rotWithShape="1">
+          <a:blip r:embed="rId2"/>
+          <a:srcRect l="0" t="0" r="0" b="0"/>
+          <a:stretch>
+            <a:fillRect/>
+          </a:stretch>
+        </a:blipFill>
       </p:bgPr>
     </p:bg>
     <p:spTree>
@@ -3208,38 +3212,9 @@
           <a:chExt cx="0" cy="0"/>
         </a:xfrm>
       </p:grpSpPr>
-      <p:pic>
-        <p:nvPicPr>
-          <p:cNvPr id="112" name="5f461d116006137.6059ac1f3a043.jpg" descr="5f461d116006137.6059ac1f3a043.jpg"/>
-          <p:cNvPicPr>
-            <a:picLocks noChangeAspect="1"/>
-          </p:cNvPicPr>
-          <p:nvPr/>
-        </p:nvPicPr>
-        <p:blipFill>
-          <a:blip r:embed="rId2">
-            <a:extLst/>
-          </a:blip>
-          <a:stretch>
-            <a:fillRect/>
-          </a:stretch>
-        </p:blipFill>
-        <p:spPr>
-          <a:xfrm>
-            <a:off x="-38625" y="-1281005"/>
-            <a:ext cx="12269250" cy="8179500"/>
-          </a:xfrm>
-          <a:prstGeom prst="rect">
-            <a:avLst/>
-          </a:prstGeom>
-          <a:ln w="12700">
-            <a:miter lim="400000"/>
-          </a:ln>
-        </p:spPr>
-      </p:pic>
       <p:sp>
         <p:nvSpPr>
-          <p:cNvPr id="113" name="SQL - Joins"/>
+          <p:cNvPr id="112" name="SQL - Joins"/>
           <p:cNvSpPr txBox="1"/>
           <p:nvPr/>
         </p:nvSpPr>
@@ -3302,9 +3277,13 @@
   <p:cSld>
     <p:bg>
       <p:bgPr>
-        <a:solidFill>
-          <a:srgbClr val="EDDACC"/>
-        </a:solidFill>
+        <a:blipFill rotWithShape="1">
+          <a:blip r:embed="rId2"/>
+          <a:srcRect l="0" t="0" r="0" b="0"/>
+          <a:stretch>
+            <a:fillRect/>
+          </a:stretch>
+        </a:blipFill>
       </p:bgPr>
     </p:bg>
     <p:spTree>
@@ -3321,38 +3300,9 @@
           <a:chExt cx="0" cy="0"/>
         </a:xfrm>
       </p:grpSpPr>
-      <p:pic>
-        <p:nvPicPr>
-          <p:cNvPr id="173" name="5f461d116006137.6059ac1f3a043.jpg" descr="5f461d116006137.6059ac1f3a043.jpg"/>
-          <p:cNvPicPr>
-            <a:picLocks noChangeAspect="1"/>
-          </p:cNvPicPr>
-          <p:nvPr/>
-        </p:nvPicPr>
-        <p:blipFill>
-          <a:blip r:embed="rId2">
-            <a:extLst/>
-          </a:blip>
-          <a:stretch>
-            <a:fillRect/>
-          </a:stretch>
-        </p:blipFill>
-        <p:spPr>
-          <a:xfrm>
-            <a:off x="-38625" y="-1281005"/>
-            <a:ext cx="12269250" cy="8179500"/>
-          </a:xfrm>
-          <a:prstGeom prst="rect">
-            <a:avLst/>
-          </a:prstGeom>
-          <a:ln w="12700">
-            <a:miter lim="400000"/>
-          </a:ln>
-        </p:spPr>
-      </p:pic>
       <p:sp>
         <p:nvSpPr>
-          <p:cNvPr id="174" name="Google Shape;55;p13"/>
+          <p:cNvPr id="164" name="Google Shape;55;p13"/>
           <p:cNvSpPr txBox="1"/>
           <p:nvPr>
             <p:ph type="title"/>
@@ -3399,7 +3349,7 @@
       </p:sp>
       <p:sp>
         <p:nvSpPr>
-          <p:cNvPr id="175" name="Google Shape;69;p14"/>
+          <p:cNvPr id="165" name="Google Shape;69;p14"/>
           <p:cNvSpPr txBox="1"/>
           <p:nvPr/>
         </p:nvSpPr>
@@ -3467,7 +3417,7 @@
       </p:sp>
       <p:pic>
         <p:nvPicPr>
-          <p:cNvPr id="176" name="Captura de pantalla 2021-07-17 a las 11.50.36.png" descr="Captura de pantalla 2021-07-17 a las 11.50.36.png"/>
+          <p:cNvPr id="166" name="Captura de pantalla 2021-07-17 a las 11.50.36.png" descr="Captura de pantalla 2021-07-17 a las 11.50.36.png"/>
           <p:cNvPicPr>
             <a:picLocks noChangeAspect="1"/>
           </p:cNvPicPr>
@@ -3508,9 +3458,13 @@
   <p:cSld>
     <p:bg>
       <p:bgPr>
-        <a:solidFill>
-          <a:srgbClr val="EDDACC"/>
-        </a:solidFill>
+        <a:blipFill rotWithShape="1">
+          <a:blip r:embed="rId2"/>
+          <a:srcRect l="0" t="0" r="0" b="0"/>
+          <a:stretch>
+            <a:fillRect/>
+          </a:stretch>
+        </a:blipFill>
       </p:bgPr>
     </p:bg>
     <p:spTree>
@@ -3527,38 +3481,9 @@
           <a:chExt cx="0" cy="0"/>
         </a:xfrm>
       </p:grpSpPr>
-      <p:pic>
-        <p:nvPicPr>
-          <p:cNvPr id="178" name="5f461d116006137.6059ac1f3a043.jpg" descr="5f461d116006137.6059ac1f3a043.jpg"/>
-          <p:cNvPicPr>
-            <a:picLocks noChangeAspect="1"/>
-          </p:cNvPicPr>
-          <p:nvPr/>
-        </p:nvPicPr>
-        <p:blipFill>
-          <a:blip r:embed="rId2">
-            <a:extLst/>
-          </a:blip>
-          <a:stretch>
-            <a:fillRect/>
-          </a:stretch>
-        </p:blipFill>
-        <p:spPr>
-          <a:xfrm>
-            <a:off x="-38625" y="-1281005"/>
-            <a:ext cx="12269250" cy="8179500"/>
-          </a:xfrm>
-          <a:prstGeom prst="rect">
-            <a:avLst/>
-          </a:prstGeom>
-          <a:ln w="12700">
-            <a:miter lim="400000"/>
-          </a:ln>
-        </p:spPr>
-      </p:pic>
       <p:sp>
         <p:nvSpPr>
-          <p:cNvPr id="179" name="Google Shape;55;p13"/>
+          <p:cNvPr id="168" name="Google Shape;55;p13"/>
           <p:cNvSpPr txBox="1"/>
           <p:nvPr>
             <p:ph type="title"/>
@@ -3605,7 +3530,7 @@
       </p:sp>
       <p:sp>
         <p:nvSpPr>
-          <p:cNvPr id="180" name="Google Shape;69;p14"/>
+          <p:cNvPr id="169" name="Google Shape;69;p14"/>
           <p:cNvSpPr txBox="1"/>
           <p:nvPr/>
         </p:nvSpPr>
@@ -3801,9 +3726,13 @@
   <p:cSld>
     <p:bg>
       <p:bgPr>
-        <a:solidFill>
-          <a:srgbClr val="EDDACC"/>
-        </a:solidFill>
+        <a:blipFill rotWithShape="1">
+          <a:blip r:embed="rId2"/>
+          <a:srcRect l="0" t="0" r="0" b="0"/>
+          <a:stretch>
+            <a:fillRect/>
+          </a:stretch>
+        </a:blipFill>
       </p:bgPr>
     </p:bg>
     <p:spTree>
@@ -3820,38 +3749,9 @@
           <a:chExt cx="0" cy="0"/>
         </a:xfrm>
       </p:grpSpPr>
-      <p:pic>
-        <p:nvPicPr>
-          <p:cNvPr id="182" name="5f461d116006137.6059ac1f3a043.jpg" descr="5f461d116006137.6059ac1f3a043.jpg"/>
-          <p:cNvPicPr>
-            <a:picLocks noChangeAspect="1"/>
-          </p:cNvPicPr>
-          <p:nvPr/>
-        </p:nvPicPr>
-        <p:blipFill>
-          <a:blip r:embed="rId2">
-            <a:extLst/>
-          </a:blip>
-          <a:stretch>
-            <a:fillRect/>
-          </a:stretch>
-        </p:blipFill>
-        <p:spPr>
-          <a:xfrm>
-            <a:off x="-38625" y="-1281005"/>
-            <a:ext cx="12269250" cy="8179500"/>
-          </a:xfrm>
-          <a:prstGeom prst="rect">
-            <a:avLst/>
-          </a:prstGeom>
-          <a:ln w="12700">
-            <a:miter lim="400000"/>
-          </a:ln>
-        </p:spPr>
-      </p:pic>
       <p:sp>
         <p:nvSpPr>
-          <p:cNvPr id="183" name="Rectángulo"/>
+          <p:cNvPr id="171" name="Rectángulo"/>
           <p:cNvSpPr/>
           <p:nvPr/>
         </p:nvSpPr>
@@ -3883,7 +3783,7 @@
       </p:sp>
       <p:sp>
         <p:nvSpPr>
-          <p:cNvPr id="184" name="Google Shape;55;p13"/>
+          <p:cNvPr id="172" name="Google Shape;55;p13"/>
           <p:cNvSpPr txBox="1"/>
           <p:nvPr>
             <p:ph type="title"/>
@@ -3930,7 +3830,7 @@
       </p:sp>
       <p:sp>
         <p:nvSpPr>
-          <p:cNvPr id="185" name="Google Shape;69;p14"/>
+          <p:cNvPr id="173" name="Google Shape;69;p14"/>
           <p:cNvSpPr txBox="1"/>
           <p:nvPr/>
         </p:nvSpPr>
@@ -3999,7 +3899,7 @@
       </p:sp>
       <p:pic>
         <p:nvPicPr>
-          <p:cNvPr id="186" name="JOINS.png" descr="JOINS.png"/>
+          <p:cNvPr id="174" name="JOINS.png" descr="JOINS.png"/>
           <p:cNvPicPr>
             <a:picLocks noChangeAspect="1"/>
           </p:cNvPicPr>
@@ -4029,7 +3929,7 @@
       </p:pic>
       <p:sp>
         <p:nvSpPr>
-          <p:cNvPr id="187" name="INNER JOIN"/>
+          <p:cNvPr id="175" name="INNER JOIN"/>
           <p:cNvSpPr txBox="1"/>
           <p:nvPr/>
         </p:nvSpPr>
@@ -4074,7 +3974,7 @@
       </p:sp>
       <p:sp>
         <p:nvSpPr>
-          <p:cNvPr id="188" name="LEFT JOIN"/>
+          <p:cNvPr id="176" name="LEFT JOIN"/>
           <p:cNvSpPr txBox="1"/>
           <p:nvPr/>
         </p:nvSpPr>
@@ -4119,7 +4019,7 @@
       </p:sp>
       <p:sp>
         <p:nvSpPr>
-          <p:cNvPr id="189" name="RIGHT JOIN"/>
+          <p:cNvPr id="177" name="RIGHT JOIN"/>
           <p:cNvSpPr txBox="1"/>
           <p:nvPr/>
         </p:nvSpPr>
@@ -4164,7 +4064,7 @@
       </p:sp>
       <p:sp>
         <p:nvSpPr>
-          <p:cNvPr id="190" name="FULL OUTER JOIN"/>
+          <p:cNvPr id="178" name="FULL OUTER JOIN"/>
           <p:cNvSpPr txBox="1"/>
           <p:nvPr/>
         </p:nvSpPr>
@@ -4221,9 +4121,13 @@
   <p:cSld>
     <p:bg>
       <p:bgPr>
-        <a:solidFill>
-          <a:srgbClr val="EDDACC"/>
-        </a:solidFill>
+        <a:blipFill rotWithShape="1">
+          <a:blip r:embed="rId2"/>
+          <a:srcRect l="0" t="0" r="0" b="0"/>
+          <a:stretch>
+            <a:fillRect/>
+          </a:stretch>
+        </a:blipFill>
       </p:bgPr>
     </p:bg>
     <p:spTree>
@@ -4240,38 +4144,9 @@
           <a:chExt cx="0" cy="0"/>
         </a:xfrm>
       </p:grpSpPr>
-      <p:pic>
-        <p:nvPicPr>
-          <p:cNvPr id="192" name="5f461d116006137.6059ac1f3a043.jpg" descr="5f461d116006137.6059ac1f3a043.jpg"/>
-          <p:cNvPicPr>
-            <a:picLocks noChangeAspect="1"/>
-          </p:cNvPicPr>
-          <p:nvPr/>
-        </p:nvPicPr>
-        <p:blipFill>
-          <a:blip r:embed="rId2">
-            <a:extLst/>
-          </a:blip>
-          <a:stretch>
-            <a:fillRect/>
-          </a:stretch>
-        </p:blipFill>
-        <p:spPr>
-          <a:xfrm>
-            <a:off x="-38625" y="-1281005"/>
-            <a:ext cx="12269250" cy="8179500"/>
-          </a:xfrm>
-          <a:prstGeom prst="rect">
-            <a:avLst/>
-          </a:prstGeom>
-          <a:ln w="12700">
-            <a:miter lim="400000"/>
-          </a:ln>
-        </p:spPr>
-      </p:pic>
       <p:sp>
         <p:nvSpPr>
-          <p:cNvPr id="193" name="Google Shape;55;p13"/>
+          <p:cNvPr id="180" name="Google Shape;55;p13"/>
           <p:cNvSpPr txBox="1"/>
           <p:nvPr>
             <p:ph type="title"/>
@@ -4311,7 +4186,7 @@
       </p:sp>
       <p:sp>
         <p:nvSpPr>
-          <p:cNvPr id="194" name="Google Shape;69;p14"/>
+          <p:cNvPr id="181" name="Google Shape;69;p14"/>
           <p:cNvSpPr txBox="1"/>
           <p:nvPr/>
         </p:nvSpPr>
@@ -4428,7 +4303,7 @@
       </p:sp>
       <p:sp>
         <p:nvSpPr>
-          <p:cNvPr id="195" name="SELECT {columns} FROM {table_1} INNER JOIN {table_2}…"/>
+          <p:cNvPr id="182" name="SELECT {columns} FROM {table_1} INNER JOIN {table_2}…"/>
           <p:cNvSpPr txBox="1"/>
           <p:nvPr/>
         </p:nvSpPr>
@@ -4510,9 +4385,13 @@
   <p:cSld>
     <p:bg>
       <p:bgPr>
-        <a:solidFill>
-          <a:srgbClr val="EDDACC"/>
-        </a:solidFill>
+        <a:blipFill rotWithShape="1">
+          <a:blip r:embed="rId2"/>
+          <a:srcRect l="0" t="0" r="0" b="0"/>
+          <a:stretch>
+            <a:fillRect/>
+          </a:stretch>
+        </a:blipFill>
       </p:bgPr>
     </p:bg>
     <p:spTree>
@@ -4529,38 +4408,9 @@
           <a:chExt cx="0" cy="0"/>
         </a:xfrm>
       </p:grpSpPr>
-      <p:pic>
-        <p:nvPicPr>
-          <p:cNvPr id="197" name="5f461d116006137.6059ac1f3a043.jpg" descr="5f461d116006137.6059ac1f3a043.jpg"/>
-          <p:cNvPicPr>
-            <a:picLocks noChangeAspect="1"/>
-          </p:cNvPicPr>
-          <p:nvPr/>
-        </p:nvPicPr>
-        <p:blipFill>
-          <a:blip r:embed="rId2">
-            <a:extLst/>
-          </a:blip>
-          <a:stretch>
-            <a:fillRect/>
-          </a:stretch>
-        </p:blipFill>
-        <p:spPr>
-          <a:xfrm>
-            <a:off x="-38625" y="-1281005"/>
-            <a:ext cx="12269250" cy="8179500"/>
-          </a:xfrm>
-          <a:prstGeom prst="rect">
-            <a:avLst/>
-          </a:prstGeom>
-          <a:ln w="12700">
-            <a:miter lim="400000"/>
-          </a:ln>
-        </p:spPr>
-      </p:pic>
       <p:sp>
         <p:nvSpPr>
-          <p:cNvPr id="198" name="Google Shape;55;p13"/>
+          <p:cNvPr id="184" name="Google Shape;55;p13"/>
           <p:cNvSpPr txBox="1"/>
           <p:nvPr>
             <p:ph type="title"/>
@@ -4600,7 +4450,7 @@
       </p:sp>
       <p:sp>
         <p:nvSpPr>
-          <p:cNvPr id="199" name="SELECT *…"/>
+          <p:cNvPr id="185" name="SELECT *…"/>
           <p:cNvSpPr txBox="1"/>
           <p:nvPr/>
         </p:nvSpPr>
@@ -4794,9 +4644,13 @@
   <p:cSld>
     <p:bg>
       <p:bgPr>
-        <a:solidFill>
-          <a:srgbClr val="EDDACC"/>
-        </a:solidFill>
+        <a:blipFill rotWithShape="1">
+          <a:blip r:embed="rId2"/>
+          <a:srcRect l="0" t="0" r="0" b="0"/>
+          <a:stretch>
+            <a:fillRect/>
+          </a:stretch>
+        </a:blipFill>
       </p:bgPr>
     </p:bg>
     <p:spTree>
@@ -4813,38 +4667,9 @@
           <a:chExt cx="0" cy="0"/>
         </a:xfrm>
       </p:grpSpPr>
-      <p:pic>
-        <p:nvPicPr>
-          <p:cNvPr id="201" name="5f461d116006137.6059ac1f3a043.jpg" descr="5f461d116006137.6059ac1f3a043.jpg"/>
-          <p:cNvPicPr>
-            <a:picLocks noChangeAspect="1"/>
-          </p:cNvPicPr>
-          <p:nvPr/>
-        </p:nvPicPr>
-        <p:blipFill>
-          <a:blip r:embed="rId2">
-            <a:extLst/>
-          </a:blip>
-          <a:stretch>
-            <a:fillRect/>
-          </a:stretch>
-        </p:blipFill>
-        <p:spPr>
-          <a:xfrm>
-            <a:off x="-38625" y="-1281005"/>
-            <a:ext cx="12269250" cy="8179500"/>
-          </a:xfrm>
-          <a:prstGeom prst="rect">
-            <a:avLst/>
-          </a:prstGeom>
-          <a:ln w="12700">
-            <a:miter lim="400000"/>
-          </a:ln>
-        </p:spPr>
-      </p:pic>
       <p:sp>
         <p:nvSpPr>
-          <p:cNvPr id="202" name="Google Shape;55;p13"/>
+          <p:cNvPr id="187" name="Google Shape;55;p13"/>
           <p:cNvSpPr txBox="1"/>
           <p:nvPr>
             <p:ph type="title"/>
@@ -4884,7 +4709,7 @@
       </p:sp>
       <p:sp>
         <p:nvSpPr>
-          <p:cNvPr id="203" name="Google Shape;69;p14"/>
+          <p:cNvPr id="188" name="Google Shape;69;p14"/>
           <p:cNvSpPr txBox="1"/>
           <p:nvPr/>
         </p:nvSpPr>
@@ -5196,9 +5021,13 @@
   <p:cSld>
     <p:bg>
       <p:bgPr>
-        <a:solidFill>
-          <a:srgbClr val="EDDACC"/>
-        </a:solidFill>
+        <a:blipFill rotWithShape="1">
+          <a:blip r:embed="rId2"/>
+          <a:srcRect l="0" t="0" r="0" b="0"/>
+          <a:stretch>
+            <a:fillRect/>
+          </a:stretch>
+        </a:blipFill>
       </p:bgPr>
     </p:bg>
     <p:spTree>
@@ -5215,38 +5044,9 @@
           <a:chExt cx="0" cy="0"/>
         </a:xfrm>
       </p:grpSpPr>
-      <p:pic>
-        <p:nvPicPr>
-          <p:cNvPr id="205" name="5f461d116006137.6059ac1f3a043.jpg" descr="5f461d116006137.6059ac1f3a043.jpg"/>
-          <p:cNvPicPr>
-            <a:picLocks noChangeAspect="1"/>
-          </p:cNvPicPr>
-          <p:nvPr/>
-        </p:nvPicPr>
-        <p:blipFill>
-          <a:blip r:embed="rId2">
-            <a:extLst/>
-          </a:blip>
-          <a:stretch>
-            <a:fillRect/>
-          </a:stretch>
-        </p:blipFill>
-        <p:spPr>
-          <a:xfrm>
-            <a:off x="-38625" y="-1281005"/>
-            <a:ext cx="12269250" cy="8179500"/>
-          </a:xfrm>
-          <a:prstGeom prst="rect">
-            <a:avLst/>
-          </a:prstGeom>
-          <a:ln w="12700">
-            <a:miter lim="400000"/>
-          </a:ln>
-        </p:spPr>
-      </p:pic>
       <p:sp>
         <p:nvSpPr>
-          <p:cNvPr id="206" name="Google Shape;55;p13"/>
+          <p:cNvPr id="190" name="Google Shape;55;p13"/>
           <p:cNvSpPr txBox="1"/>
           <p:nvPr>
             <p:ph type="title"/>
@@ -5286,7 +5086,7 @@
       </p:sp>
       <p:sp>
         <p:nvSpPr>
-          <p:cNvPr id="207" name="Google Shape;69;p14"/>
+          <p:cNvPr id="191" name="Google Shape;69;p14"/>
           <p:cNvSpPr txBox="1"/>
           <p:nvPr/>
         </p:nvSpPr>
@@ -5601,9 +5401,13 @@
   <p:cSld>
     <p:bg>
       <p:bgPr>
-        <a:solidFill>
-          <a:srgbClr val="EDDACC"/>
-        </a:solidFill>
+        <a:blipFill rotWithShape="1">
+          <a:blip r:embed="rId2"/>
+          <a:srcRect l="0" t="0" r="0" b="0"/>
+          <a:stretch>
+            <a:fillRect/>
+          </a:stretch>
+        </a:blipFill>
       </p:bgPr>
     </p:bg>
     <p:spTree>
@@ -5620,38 +5424,9 @@
           <a:chExt cx="0" cy="0"/>
         </a:xfrm>
       </p:grpSpPr>
-      <p:pic>
-        <p:nvPicPr>
-          <p:cNvPr id="209" name="5f461d116006137.6059ac1f3a043.jpg" descr="5f461d116006137.6059ac1f3a043.jpg"/>
-          <p:cNvPicPr>
-            <a:picLocks noChangeAspect="1"/>
-          </p:cNvPicPr>
-          <p:nvPr/>
-        </p:nvPicPr>
-        <p:blipFill>
-          <a:blip r:embed="rId2">
-            <a:extLst/>
-          </a:blip>
-          <a:stretch>
-            <a:fillRect/>
-          </a:stretch>
-        </p:blipFill>
-        <p:spPr>
-          <a:xfrm>
-            <a:off x="-38625" y="-1281005"/>
-            <a:ext cx="12269250" cy="8179500"/>
-          </a:xfrm>
-          <a:prstGeom prst="rect">
-            <a:avLst/>
-          </a:prstGeom>
-          <a:ln w="12700">
-            <a:miter lim="400000"/>
-          </a:ln>
-        </p:spPr>
-      </p:pic>
       <p:sp>
         <p:nvSpPr>
-          <p:cNvPr id="210" name="Google Shape;55;p13"/>
+          <p:cNvPr id="193" name="Google Shape;55;p13"/>
           <p:cNvSpPr txBox="1"/>
           <p:nvPr>
             <p:ph type="title"/>
@@ -5691,7 +5466,7 @@
       </p:sp>
       <p:sp>
         <p:nvSpPr>
-          <p:cNvPr id="211" name="Google Shape;69;p14"/>
+          <p:cNvPr id="194" name="Google Shape;69;p14"/>
           <p:cNvSpPr txBox="1"/>
           <p:nvPr/>
         </p:nvSpPr>
@@ -6087,9 +5862,13 @@
   <p:cSld>
     <p:bg>
       <p:bgPr>
-        <a:solidFill>
-          <a:srgbClr val="EDDACC"/>
-        </a:solidFill>
+        <a:blipFill rotWithShape="1">
+          <a:blip r:embed="rId2"/>
+          <a:srcRect l="0" t="0" r="0" b="0"/>
+          <a:stretch>
+            <a:fillRect/>
+          </a:stretch>
+        </a:blipFill>
       </p:bgPr>
     </p:bg>
     <p:spTree>
@@ -6106,38 +5885,9 @@
           <a:chExt cx="0" cy="0"/>
         </a:xfrm>
       </p:grpSpPr>
-      <p:pic>
-        <p:nvPicPr>
-          <p:cNvPr id="213" name="5f461d116006137.6059ac1f3a043.jpg" descr="5f461d116006137.6059ac1f3a043.jpg"/>
-          <p:cNvPicPr>
-            <a:picLocks noChangeAspect="1"/>
-          </p:cNvPicPr>
-          <p:nvPr/>
-        </p:nvPicPr>
-        <p:blipFill>
-          <a:blip r:embed="rId2">
-            <a:extLst/>
-          </a:blip>
-          <a:stretch>
-            <a:fillRect/>
-          </a:stretch>
-        </p:blipFill>
-        <p:spPr>
-          <a:xfrm>
-            <a:off x="-38625" y="-1281005"/>
-            <a:ext cx="12269250" cy="8179500"/>
-          </a:xfrm>
-          <a:prstGeom prst="rect">
-            <a:avLst/>
-          </a:prstGeom>
-          <a:ln w="12700">
-            <a:miter lim="400000"/>
-          </a:ln>
-        </p:spPr>
-      </p:pic>
       <p:sp>
         <p:nvSpPr>
-          <p:cNvPr id="214" name="Google Shape;55;p13"/>
+          <p:cNvPr id="196" name="Google Shape;55;p13"/>
           <p:cNvSpPr txBox="1"/>
           <p:nvPr>
             <p:ph type="title"/>
@@ -6177,7 +5927,7 @@
       </p:sp>
       <p:sp>
         <p:nvSpPr>
-          <p:cNvPr id="215" name="Google Shape;69;p14"/>
+          <p:cNvPr id="197" name="Google Shape;69;p14"/>
           <p:cNvSpPr txBox="1"/>
           <p:nvPr/>
         </p:nvSpPr>
@@ -6240,9 +5990,13 @@
   <p:cSld>
     <p:bg>
       <p:bgPr>
-        <a:solidFill>
-          <a:srgbClr val="EDDACC"/>
-        </a:solidFill>
+        <a:blipFill rotWithShape="1">
+          <a:blip r:embed="rId2"/>
+          <a:srcRect l="0" t="0" r="0" b="0"/>
+          <a:stretch>
+            <a:fillRect/>
+          </a:stretch>
+        </a:blipFill>
       </p:bgPr>
     </p:bg>
     <p:spTree>
@@ -6259,38 +6013,9 @@
           <a:chExt cx="0" cy="0"/>
         </a:xfrm>
       </p:grpSpPr>
-      <p:pic>
-        <p:nvPicPr>
-          <p:cNvPr id="217" name="5f461d116006137.6059ac1f3a043.jpg" descr="5f461d116006137.6059ac1f3a043.jpg"/>
-          <p:cNvPicPr>
-            <a:picLocks noChangeAspect="1"/>
-          </p:cNvPicPr>
-          <p:nvPr/>
-        </p:nvPicPr>
-        <p:blipFill>
-          <a:blip r:embed="rId2">
-            <a:extLst/>
-          </a:blip>
-          <a:stretch>
-            <a:fillRect/>
-          </a:stretch>
-        </p:blipFill>
-        <p:spPr>
-          <a:xfrm>
-            <a:off x="-38625" y="-1281005"/>
-            <a:ext cx="12269250" cy="8179500"/>
-          </a:xfrm>
-          <a:prstGeom prst="rect">
-            <a:avLst/>
-          </a:prstGeom>
-          <a:ln w="12700">
-            <a:miter lim="400000"/>
-          </a:ln>
-        </p:spPr>
-      </p:pic>
       <p:sp>
         <p:nvSpPr>
-          <p:cNvPr id="218" name="Rectángulo"/>
+          <p:cNvPr id="199" name="Rectángulo"/>
           <p:cNvSpPr/>
           <p:nvPr/>
         </p:nvSpPr>
@@ -6322,7 +6047,7 @@
       </p:sp>
       <p:sp>
         <p:nvSpPr>
-          <p:cNvPr id="219" name="Google Shape;55;p13"/>
+          <p:cNvPr id="200" name="Google Shape;55;p13"/>
           <p:cNvSpPr txBox="1"/>
           <p:nvPr>
             <p:ph type="title"/>
@@ -6362,7 +6087,7 @@
       </p:sp>
       <p:sp>
         <p:nvSpPr>
-          <p:cNvPr id="220" name="Google Shape;69;p14"/>
+          <p:cNvPr id="201" name="Google Shape;69;p14"/>
           <p:cNvSpPr txBox="1"/>
           <p:nvPr/>
         </p:nvSpPr>
@@ -6431,7 +6156,7 @@
       </p:sp>
       <p:pic>
         <p:nvPicPr>
-          <p:cNvPr id="221" name="JOINS.png" descr="JOINS.png"/>
+          <p:cNvPr id="202" name="JOINS.png" descr="JOINS.png"/>
           <p:cNvPicPr>
             <a:picLocks noChangeAspect="1"/>
           </p:cNvPicPr>
@@ -6461,7 +6186,7 @@
       </p:pic>
       <p:sp>
         <p:nvSpPr>
-          <p:cNvPr id="222" name="INNER JOIN"/>
+          <p:cNvPr id="203" name="INNER JOIN"/>
           <p:cNvSpPr txBox="1"/>
           <p:nvPr/>
         </p:nvSpPr>
@@ -6506,7 +6231,7 @@
       </p:sp>
       <p:sp>
         <p:nvSpPr>
-          <p:cNvPr id="223" name="LEFT JOIN"/>
+          <p:cNvPr id="204" name="LEFT JOIN"/>
           <p:cNvSpPr txBox="1"/>
           <p:nvPr/>
         </p:nvSpPr>
@@ -6551,7 +6276,7 @@
       </p:sp>
       <p:sp>
         <p:nvSpPr>
-          <p:cNvPr id="224" name="RIGHT JOIN"/>
+          <p:cNvPr id="205" name="RIGHT JOIN"/>
           <p:cNvSpPr txBox="1"/>
           <p:nvPr/>
         </p:nvSpPr>
@@ -6596,7 +6321,7 @@
       </p:sp>
       <p:sp>
         <p:nvSpPr>
-          <p:cNvPr id="225" name="FULL OUTER JOIN"/>
+          <p:cNvPr id="206" name="FULL OUTER JOIN"/>
           <p:cNvSpPr txBox="1"/>
           <p:nvPr/>
         </p:nvSpPr>
@@ -6641,7 +6366,7 @@
       </p:sp>
       <p:sp>
         <p:nvSpPr>
-          <p:cNvPr id="226" name="Rectángulo"/>
+          <p:cNvPr id="207" name="Rectángulo"/>
           <p:cNvSpPr/>
           <p:nvPr/>
         </p:nvSpPr>
@@ -6707,7 +6432,7 @@
                                       <p:cBhvr>
                                         <p:cTn id="6" fill="hold"/>
                                         <p:tgtEl>
-                                          <p:spTgt spid="226"/>
+                                          <p:spTgt spid="207"/>
                                         </p:tgtEl>
                                         <p:attrNameLst>
                                           <p:attrName>style.visibility</p:attrName>
@@ -6748,7 +6473,7 @@
       </p:par>
     </p:tnLst>
     <p:bldLst>
-      <p:bldP build="whole" bldLvl="1" animBg="1" rev="0" advAuto="0" spid="226" grpId="1"/>
+      <p:bldP build="whole" bldLvl="1" animBg="1" rev="0" advAuto="0" spid="207" grpId="1"/>
     </p:bldLst>
   </p:timing>
 </p:sld>
@@ -6759,9 +6484,13 @@
   <p:cSld>
     <p:bg>
       <p:bgPr>
-        <a:solidFill>
-          <a:srgbClr val="EDDACC"/>
-        </a:solidFill>
+        <a:blipFill rotWithShape="1">
+          <a:blip r:embed="rId2"/>
+          <a:srcRect l="0" t="0" r="0" b="0"/>
+          <a:stretch>
+            <a:fillRect/>
+          </a:stretch>
+        </a:blipFill>
       </p:bgPr>
     </p:bg>
     <p:spTree>
@@ -6778,38 +6507,9 @@
           <a:chExt cx="0" cy="0"/>
         </a:xfrm>
       </p:grpSpPr>
-      <p:pic>
-        <p:nvPicPr>
-          <p:cNvPr id="115" name="5f461d116006137.6059ac1f3a043.jpg" descr="5f461d116006137.6059ac1f3a043.jpg"/>
-          <p:cNvPicPr>
-            <a:picLocks noChangeAspect="1"/>
-          </p:cNvPicPr>
-          <p:nvPr/>
-        </p:nvPicPr>
-        <p:blipFill>
-          <a:blip r:embed="rId2">
-            <a:extLst/>
-          </a:blip>
-          <a:stretch>
-            <a:fillRect/>
-          </a:stretch>
-        </p:blipFill>
-        <p:spPr>
-          <a:xfrm>
-            <a:off x="-38625" y="-1281005"/>
-            <a:ext cx="12269250" cy="8179500"/>
-          </a:xfrm>
-          <a:prstGeom prst="rect">
-            <a:avLst/>
-          </a:prstGeom>
-          <a:ln w="12700">
-            <a:miter lim="400000"/>
-          </a:ln>
-        </p:spPr>
-      </p:pic>
       <p:sp>
         <p:nvSpPr>
-          <p:cNvPr id="116" name="Google Shape;55;p13"/>
+          <p:cNvPr id="114" name="Google Shape;55;p13"/>
           <p:cNvSpPr txBox="1"/>
           <p:nvPr>
             <p:ph type="title"/>
@@ -6849,7 +6549,7 @@
       </p:sp>
       <p:sp>
         <p:nvSpPr>
-          <p:cNvPr id="117" name="Google Shape;69;p14"/>
+          <p:cNvPr id="115" name="Google Shape;69;p14"/>
           <p:cNvSpPr txBox="1"/>
           <p:nvPr/>
         </p:nvSpPr>
@@ -7059,9 +6759,13 @@
   <p:cSld>
     <p:bg>
       <p:bgPr>
-        <a:solidFill>
-          <a:srgbClr val="EDDACC"/>
-        </a:solidFill>
+        <a:blipFill rotWithShape="1">
+          <a:blip r:embed="rId2"/>
+          <a:srcRect l="0" t="0" r="0" b="0"/>
+          <a:stretch>
+            <a:fillRect/>
+          </a:stretch>
+        </a:blipFill>
       </p:bgPr>
     </p:bg>
     <p:spTree>
@@ -7078,38 +6782,9 @@
           <a:chExt cx="0" cy="0"/>
         </a:xfrm>
       </p:grpSpPr>
-      <p:pic>
-        <p:nvPicPr>
-          <p:cNvPr id="228" name="5f461d116006137.6059ac1f3a043.jpg" descr="5f461d116006137.6059ac1f3a043.jpg"/>
-          <p:cNvPicPr>
-            <a:picLocks noChangeAspect="1"/>
-          </p:cNvPicPr>
-          <p:nvPr/>
-        </p:nvPicPr>
-        <p:blipFill>
-          <a:blip r:embed="rId2">
-            <a:extLst/>
-          </a:blip>
-          <a:stretch>
-            <a:fillRect/>
-          </a:stretch>
-        </p:blipFill>
-        <p:spPr>
-          <a:xfrm>
-            <a:off x="-38625" y="-1281005"/>
-            <a:ext cx="12269250" cy="8179500"/>
-          </a:xfrm>
-          <a:prstGeom prst="rect">
-            <a:avLst/>
-          </a:prstGeom>
-          <a:ln w="12700">
-            <a:miter lim="400000"/>
-          </a:ln>
-        </p:spPr>
-      </p:pic>
       <p:sp>
         <p:nvSpPr>
-          <p:cNvPr id="229" name="Google Shape;55;p13"/>
+          <p:cNvPr id="209" name="Google Shape;55;p13"/>
           <p:cNvSpPr txBox="1"/>
           <p:nvPr>
             <p:ph type="title"/>
@@ -7149,7 +6824,7 @@
       </p:sp>
       <p:sp>
         <p:nvSpPr>
-          <p:cNvPr id="230" name="Google Shape;69;p14"/>
+          <p:cNvPr id="210" name="Google Shape;69;p14"/>
           <p:cNvSpPr txBox="1"/>
           <p:nvPr/>
         </p:nvSpPr>
@@ -7409,9 +7084,13 @@
   <p:cSld>
     <p:bg>
       <p:bgPr>
-        <a:solidFill>
-          <a:srgbClr val="EDDACC"/>
-        </a:solidFill>
+        <a:blipFill rotWithShape="1">
+          <a:blip r:embed="rId2"/>
+          <a:srcRect l="0" t="0" r="0" b="0"/>
+          <a:stretch>
+            <a:fillRect/>
+          </a:stretch>
+        </a:blipFill>
       </p:bgPr>
     </p:bg>
     <p:spTree>
@@ -7428,38 +7107,9 @@
           <a:chExt cx="0" cy="0"/>
         </a:xfrm>
       </p:grpSpPr>
-      <p:pic>
-        <p:nvPicPr>
-          <p:cNvPr id="232" name="5f461d116006137.6059ac1f3a043.jpg" descr="5f461d116006137.6059ac1f3a043.jpg"/>
-          <p:cNvPicPr>
-            <a:picLocks noChangeAspect="1"/>
-          </p:cNvPicPr>
-          <p:nvPr/>
-        </p:nvPicPr>
-        <p:blipFill>
-          <a:blip r:embed="rId2">
-            <a:extLst/>
-          </a:blip>
-          <a:stretch>
-            <a:fillRect/>
-          </a:stretch>
-        </p:blipFill>
-        <p:spPr>
-          <a:xfrm>
-            <a:off x="-38625" y="-1281005"/>
-            <a:ext cx="12269250" cy="8179500"/>
-          </a:xfrm>
-          <a:prstGeom prst="rect">
-            <a:avLst/>
-          </a:prstGeom>
-          <a:ln w="12700">
-            <a:miter lim="400000"/>
-          </a:ln>
-        </p:spPr>
-      </p:pic>
       <p:sp>
         <p:nvSpPr>
-          <p:cNvPr id="233" name="Google Shape;55;p13"/>
+          <p:cNvPr id="212" name="Google Shape;55;p13"/>
           <p:cNvSpPr txBox="1"/>
           <p:nvPr>
             <p:ph type="title"/>
@@ -7499,14 +7149,14 @@
       </p:sp>
       <p:sp>
         <p:nvSpPr>
-          <p:cNvPr id="234" name="There might be some stores with no clients registered:…"/>
+          <p:cNvPr id="213" name="There might be some stores with no clients registered:…"/>
           <p:cNvSpPr txBox="1"/>
           <p:nvPr/>
         </p:nvSpPr>
         <p:spPr>
           <a:xfrm>
-            <a:off x="1469883" y="1871980"/>
-            <a:ext cx="9338438" cy="3202940"/>
+            <a:off x="1469883" y="1871979"/>
+            <a:ext cx="9338438" cy="3202941"/>
           </a:xfrm>
           <a:prstGeom prst="rect">
             <a:avLst/>
@@ -7797,9 +7447,13 @@
   <p:cSld>
     <p:bg>
       <p:bgPr>
-        <a:solidFill>
-          <a:srgbClr val="EDDACC"/>
-        </a:solidFill>
+        <a:blipFill rotWithShape="1">
+          <a:blip r:embed="rId2"/>
+          <a:srcRect l="0" t="0" r="0" b="0"/>
+          <a:stretch>
+            <a:fillRect/>
+          </a:stretch>
+        </a:blipFill>
       </p:bgPr>
     </p:bg>
     <p:spTree>
@@ -7816,38 +7470,9 @@
           <a:chExt cx="0" cy="0"/>
         </a:xfrm>
       </p:grpSpPr>
-      <p:pic>
-        <p:nvPicPr>
-          <p:cNvPr id="236" name="5f461d116006137.6059ac1f3a043.jpg" descr="5f461d116006137.6059ac1f3a043.jpg"/>
-          <p:cNvPicPr>
-            <a:picLocks noChangeAspect="1"/>
-          </p:cNvPicPr>
-          <p:nvPr/>
-        </p:nvPicPr>
-        <p:blipFill>
-          <a:blip r:embed="rId2">
-            <a:extLst/>
-          </a:blip>
-          <a:stretch>
-            <a:fillRect/>
-          </a:stretch>
-        </p:blipFill>
-        <p:spPr>
-          <a:xfrm>
-            <a:off x="-38625" y="-1281005"/>
-            <a:ext cx="12269250" cy="8179500"/>
-          </a:xfrm>
-          <a:prstGeom prst="rect">
-            <a:avLst/>
-          </a:prstGeom>
-          <a:ln w="12700">
-            <a:miter lim="400000"/>
-          </a:ln>
-        </p:spPr>
-      </p:pic>
       <p:sp>
         <p:nvSpPr>
-          <p:cNvPr id="237" name="Google Shape;55;p13"/>
+          <p:cNvPr id="215" name="Google Shape;55;p13"/>
           <p:cNvSpPr txBox="1"/>
           <p:nvPr>
             <p:ph type="title"/>
@@ -7887,7 +7512,7 @@
       </p:sp>
       <p:pic>
         <p:nvPicPr>
-          <p:cNvPr id="238" name="Captura de pantalla 2021-07-17 a las 13.08.49.png" descr="Captura de pantalla 2021-07-17 a las 13.08.49.png"/>
+          <p:cNvPr id="216" name="Captura de pantalla 2021-07-17 a las 13.08.49.png" descr="Captura de pantalla 2021-07-17 a las 13.08.49.png"/>
           <p:cNvPicPr>
             <a:picLocks noChangeAspect="1"/>
           </p:cNvPicPr>
@@ -7916,7 +7541,7 @@
       </p:pic>
       <p:sp>
         <p:nvSpPr>
-          <p:cNvPr id="239" name="Google Shape;69;p14"/>
+          <p:cNvPr id="217" name="Google Shape;69;p14"/>
           <p:cNvSpPr txBox="1"/>
           <p:nvPr/>
         </p:nvSpPr>
@@ -7976,9 +7601,13 @@
   <p:cSld>
     <p:bg>
       <p:bgPr>
-        <a:solidFill>
-          <a:srgbClr val="EDDACC"/>
-        </a:solidFill>
+        <a:blipFill rotWithShape="1">
+          <a:blip r:embed="rId2"/>
+          <a:srcRect l="0" t="0" r="0" b="0"/>
+          <a:stretch>
+            <a:fillRect/>
+          </a:stretch>
+        </a:blipFill>
       </p:bgPr>
     </p:bg>
     <p:spTree>
@@ -7995,38 +7624,9 @@
           <a:chExt cx="0" cy="0"/>
         </a:xfrm>
       </p:grpSpPr>
-      <p:pic>
-        <p:nvPicPr>
-          <p:cNvPr id="241" name="5f461d116006137.6059ac1f3a043.jpg" descr="5f461d116006137.6059ac1f3a043.jpg"/>
-          <p:cNvPicPr>
-            <a:picLocks noChangeAspect="1"/>
-          </p:cNvPicPr>
-          <p:nvPr/>
-        </p:nvPicPr>
-        <p:blipFill>
-          <a:blip r:embed="rId2">
-            <a:extLst/>
-          </a:blip>
-          <a:stretch>
-            <a:fillRect/>
-          </a:stretch>
-        </p:blipFill>
-        <p:spPr>
-          <a:xfrm>
-            <a:off x="-38625" y="-1281005"/>
-            <a:ext cx="12269250" cy="8179500"/>
-          </a:xfrm>
-          <a:prstGeom prst="rect">
-            <a:avLst/>
-          </a:prstGeom>
-          <a:ln w="12700">
-            <a:miter lim="400000"/>
-          </a:ln>
-        </p:spPr>
-      </p:pic>
       <p:sp>
         <p:nvSpPr>
-          <p:cNvPr id="242" name="Rectángulo"/>
+          <p:cNvPr id="219" name="Rectángulo"/>
           <p:cNvSpPr/>
           <p:nvPr/>
         </p:nvSpPr>
@@ -8058,7 +7658,7 @@
       </p:sp>
       <p:sp>
         <p:nvSpPr>
-          <p:cNvPr id="243" name="Google Shape;55;p13"/>
+          <p:cNvPr id="220" name="Google Shape;55;p13"/>
           <p:cNvSpPr txBox="1"/>
           <p:nvPr>
             <p:ph type="title"/>
@@ -8098,7 +7698,7 @@
       </p:sp>
       <p:sp>
         <p:nvSpPr>
-          <p:cNvPr id="244" name="Google Shape;69;p14"/>
+          <p:cNvPr id="221" name="Google Shape;69;p14"/>
           <p:cNvSpPr txBox="1"/>
           <p:nvPr/>
         </p:nvSpPr>
@@ -8167,7 +7767,7 @@
       </p:sp>
       <p:pic>
         <p:nvPicPr>
-          <p:cNvPr id="245" name="JOINS.png" descr="JOINS.png"/>
+          <p:cNvPr id="222" name="JOINS.png" descr="JOINS.png"/>
           <p:cNvPicPr>
             <a:picLocks noChangeAspect="1"/>
           </p:cNvPicPr>
@@ -8197,7 +7797,7 @@
       </p:pic>
       <p:sp>
         <p:nvSpPr>
-          <p:cNvPr id="246" name="INNER JOIN"/>
+          <p:cNvPr id="223" name="INNER JOIN"/>
           <p:cNvSpPr txBox="1"/>
           <p:nvPr/>
         </p:nvSpPr>
@@ -8242,7 +7842,7 @@
       </p:sp>
       <p:sp>
         <p:nvSpPr>
-          <p:cNvPr id="247" name="LEFT JOIN"/>
+          <p:cNvPr id="224" name="LEFT JOIN"/>
           <p:cNvSpPr txBox="1"/>
           <p:nvPr/>
         </p:nvSpPr>
@@ -8287,7 +7887,7 @@
       </p:sp>
       <p:sp>
         <p:nvSpPr>
-          <p:cNvPr id="248" name="RIGHT JOIN"/>
+          <p:cNvPr id="225" name="RIGHT JOIN"/>
           <p:cNvSpPr txBox="1"/>
           <p:nvPr/>
         </p:nvSpPr>
@@ -8332,7 +7932,7 @@
       </p:sp>
       <p:sp>
         <p:nvSpPr>
-          <p:cNvPr id="249" name="FULL OUTER JOIN"/>
+          <p:cNvPr id="226" name="FULL OUTER JOIN"/>
           <p:cNvSpPr txBox="1"/>
           <p:nvPr/>
         </p:nvSpPr>
@@ -8377,7 +7977,7 @@
       </p:sp>
       <p:sp>
         <p:nvSpPr>
-          <p:cNvPr id="250" name="Rectángulo"/>
+          <p:cNvPr id="227" name="Rectángulo"/>
           <p:cNvSpPr/>
           <p:nvPr/>
         </p:nvSpPr>
@@ -8443,7 +8043,7 @@
                                       <p:cBhvr>
                                         <p:cTn id="6" fill="hold"/>
                                         <p:tgtEl>
-                                          <p:spTgt spid="250"/>
+                                          <p:spTgt spid="227"/>
                                         </p:tgtEl>
                                         <p:attrNameLst>
                                           <p:attrName>style.visibility</p:attrName>
@@ -8484,7 +8084,7 @@
       </p:par>
     </p:tnLst>
     <p:bldLst>
-      <p:bldP build="whole" bldLvl="1" animBg="1" rev="0" advAuto="0" spid="250" grpId="1"/>
+      <p:bldP build="whole" bldLvl="1" animBg="1" rev="0" advAuto="0" spid="227" grpId="1"/>
     </p:bldLst>
   </p:timing>
 </p:sld>
@@ -8495,9 +8095,13 @@
   <p:cSld>
     <p:bg>
       <p:bgPr>
-        <a:solidFill>
-          <a:srgbClr val="EDDACC"/>
-        </a:solidFill>
+        <a:blipFill rotWithShape="1">
+          <a:blip r:embed="rId2"/>
+          <a:srcRect l="0" t="0" r="0" b="0"/>
+          <a:stretch>
+            <a:fillRect/>
+          </a:stretch>
+        </a:blipFill>
       </p:bgPr>
     </p:bg>
     <p:spTree>
@@ -8514,38 +8118,9 @@
           <a:chExt cx="0" cy="0"/>
         </a:xfrm>
       </p:grpSpPr>
-      <p:pic>
-        <p:nvPicPr>
-          <p:cNvPr id="252" name="5f461d116006137.6059ac1f3a043.jpg" descr="5f461d116006137.6059ac1f3a043.jpg"/>
-          <p:cNvPicPr>
-            <a:picLocks noChangeAspect="1"/>
-          </p:cNvPicPr>
-          <p:nvPr/>
-        </p:nvPicPr>
-        <p:blipFill>
-          <a:blip r:embed="rId2">
-            <a:extLst/>
-          </a:blip>
-          <a:stretch>
-            <a:fillRect/>
-          </a:stretch>
-        </p:blipFill>
-        <p:spPr>
-          <a:xfrm>
-            <a:off x="-38625" y="-1281005"/>
-            <a:ext cx="12269250" cy="8179500"/>
-          </a:xfrm>
-          <a:prstGeom prst="rect">
-            <a:avLst/>
-          </a:prstGeom>
-          <a:ln w="12700">
-            <a:miter lim="400000"/>
-          </a:ln>
-        </p:spPr>
-      </p:pic>
       <p:sp>
         <p:nvSpPr>
-          <p:cNvPr id="253" name="Google Shape;55;p13"/>
+          <p:cNvPr id="229" name="Google Shape;55;p13"/>
           <p:cNvSpPr txBox="1"/>
           <p:nvPr>
             <p:ph type="title"/>
@@ -8585,7 +8160,7 @@
       </p:sp>
       <p:sp>
         <p:nvSpPr>
-          <p:cNvPr id="254" name="Google Shape;69;p14"/>
+          <p:cNvPr id="230" name="Google Shape;69;p14"/>
           <p:cNvSpPr txBox="1"/>
           <p:nvPr/>
         </p:nvSpPr>
@@ -8938,9 +8513,13 @@
   <p:cSld>
     <p:bg>
       <p:bgPr>
-        <a:solidFill>
-          <a:srgbClr val="EDDACC"/>
-        </a:solidFill>
+        <a:blipFill rotWithShape="1">
+          <a:blip r:embed="rId2"/>
+          <a:srcRect l="0" t="0" r="0" b="0"/>
+          <a:stretch>
+            <a:fillRect/>
+          </a:stretch>
+        </a:blipFill>
       </p:bgPr>
     </p:bg>
     <p:spTree>
@@ -8957,38 +8536,9 @@
           <a:chExt cx="0" cy="0"/>
         </a:xfrm>
       </p:grpSpPr>
-      <p:pic>
-        <p:nvPicPr>
-          <p:cNvPr id="256" name="5f461d116006137.6059ac1f3a043.jpg" descr="5f461d116006137.6059ac1f3a043.jpg"/>
-          <p:cNvPicPr>
-            <a:picLocks noChangeAspect="1"/>
-          </p:cNvPicPr>
-          <p:nvPr/>
-        </p:nvPicPr>
-        <p:blipFill>
-          <a:blip r:embed="rId2">
-            <a:extLst/>
-          </a:blip>
-          <a:stretch>
-            <a:fillRect/>
-          </a:stretch>
-        </p:blipFill>
-        <p:spPr>
-          <a:xfrm>
-            <a:off x="-38625" y="-1281005"/>
-            <a:ext cx="12269250" cy="8179500"/>
-          </a:xfrm>
-          <a:prstGeom prst="rect">
-            <a:avLst/>
-          </a:prstGeom>
-          <a:ln w="12700">
-            <a:miter lim="400000"/>
-          </a:ln>
-        </p:spPr>
-      </p:pic>
       <p:sp>
         <p:nvSpPr>
-          <p:cNvPr id="257" name="Rectángulo"/>
+          <p:cNvPr id="232" name="Rectángulo"/>
           <p:cNvSpPr/>
           <p:nvPr/>
         </p:nvSpPr>
@@ -9020,7 +8570,7 @@
       </p:sp>
       <p:sp>
         <p:nvSpPr>
-          <p:cNvPr id="258" name="Google Shape;55;p13"/>
+          <p:cNvPr id="233" name="Google Shape;55;p13"/>
           <p:cNvSpPr txBox="1"/>
           <p:nvPr>
             <p:ph type="title"/>
@@ -9060,7 +8610,7 @@
       </p:sp>
       <p:sp>
         <p:nvSpPr>
-          <p:cNvPr id="259" name="Google Shape;69;p14"/>
+          <p:cNvPr id="234" name="Google Shape;69;p14"/>
           <p:cNvSpPr txBox="1"/>
           <p:nvPr/>
         </p:nvSpPr>
@@ -9129,7 +8679,7 @@
       </p:sp>
       <p:pic>
         <p:nvPicPr>
-          <p:cNvPr id="260" name="JOINS.png" descr="JOINS.png"/>
+          <p:cNvPr id="235" name="JOINS.png" descr="JOINS.png"/>
           <p:cNvPicPr>
             <a:picLocks noChangeAspect="1"/>
           </p:cNvPicPr>
@@ -9159,7 +8709,7 @@
       </p:pic>
       <p:sp>
         <p:nvSpPr>
-          <p:cNvPr id="261" name="INNER JOIN"/>
+          <p:cNvPr id="236" name="INNER JOIN"/>
           <p:cNvSpPr txBox="1"/>
           <p:nvPr/>
         </p:nvSpPr>
@@ -9204,7 +8754,7 @@
       </p:sp>
       <p:sp>
         <p:nvSpPr>
-          <p:cNvPr id="262" name="LEFT JOIN"/>
+          <p:cNvPr id="237" name="LEFT JOIN"/>
           <p:cNvSpPr txBox="1"/>
           <p:nvPr/>
         </p:nvSpPr>
@@ -9249,7 +8799,7 @@
       </p:sp>
       <p:sp>
         <p:nvSpPr>
-          <p:cNvPr id="263" name="RIGHT JOIN"/>
+          <p:cNvPr id="238" name="RIGHT JOIN"/>
           <p:cNvSpPr txBox="1"/>
           <p:nvPr/>
         </p:nvSpPr>
@@ -9294,7 +8844,7 @@
       </p:sp>
       <p:sp>
         <p:nvSpPr>
-          <p:cNvPr id="264" name="FULL OUTER JOIN"/>
+          <p:cNvPr id="239" name="FULL OUTER JOIN"/>
           <p:cNvSpPr txBox="1"/>
           <p:nvPr/>
         </p:nvSpPr>
@@ -9339,7 +8889,7 @@
       </p:sp>
       <p:sp>
         <p:nvSpPr>
-          <p:cNvPr id="265" name="Rectángulo"/>
+          <p:cNvPr id="240" name="Rectángulo"/>
           <p:cNvSpPr/>
           <p:nvPr/>
         </p:nvSpPr>
@@ -9405,7 +8955,7 @@
                                       <p:cBhvr>
                                         <p:cTn id="6" fill="hold"/>
                                         <p:tgtEl>
-                                          <p:spTgt spid="265"/>
+                                          <p:spTgt spid="240"/>
                                         </p:tgtEl>
                                         <p:attrNameLst>
                                           <p:attrName>style.visibility</p:attrName>
@@ -9446,7 +8996,7 @@
       </p:par>
     </p:tnLst>
     <p:bldLst>
-      <p:bldP build="whole" bldLvl="1" animBg="1" rev="0" advAuto="0" spid="265" grpId="1"/>
+      <p:bldP build="whole" bldLvl="1" animBg="1" rev="0" advAuto="0" spid="240" grpId="1"/>
     </p:bldLst>
   </p:timing>
 </p:sld>
@@ -9457,9 +9007,13 @@
   <p:cSld>
     <p:bg>
       <p:bgPr>
-        <a:solidFill>
-          <a:srgbClr val="EDDACC"/>
-        </a:solidFill>
+        <a:blipFill rotWithShape="1">
+          <a:blip r:embed="rId2"/>
+          <a:srcRect l="0" t="0" r="0" b="0"/>
+          <a:stretch>
+            <a:fillRect/>
+          </a:stretch>
+        </a:blipFill>
       </p:bgPr>
     </p:bg>
     <p:spTree>
@@ -9476,38 +9030,9 @@
           <a:chExt cx="0" cy="0"/>
         </a:xfrm>
       </p:grpSpPr>
-      <p:pic>
-        <p:nvPicPr>
-          <p:cNvPr id="267" name="5f461d116006137.6059ac1f3a043.jpg" descr="5f461d116006137.6059ac1f3a043.jpg"/>
-          <p:cNvPicPr>
-            <a:picLocks noChangeAspect="1"/>
-          </p:cNvPicPr>
-          <p:nvPr/>
-        </p:nvPicPr>
-        <p:blipFill>
-          <a:blip r:embed="rId2">
-            <a:extLst/>
-          </a:blip>
-          <a:stretch>
-            <a:fillRect/>
-          </a:stretch>
-        </p:blipFill>
-        <p:spPr>
-          <a:xfrm>
-            <a:off x="-38625" y="-1281005"/>
-            <a:ext cx="12269250" cy="8179500"/>
-          </a:xfrm>
-          <a:prstGeom prst="rect">
-            <a:avLst/>
-          </a:prstGeom>
-          <a:ln w="12700">
-            <a:miter lim="400000"/>
-          </a:ln>
-        </p:spPr>
-      </p:pic>
       <p:sp>
         <p:nvSpPr>
-          <p:cNvPr id="268" name="Google Shape;55;p13"/>
+          <p:cNvPr id="242" name="Google Shape;55;p13"/>
           <p:cNvSpPr txBox="1"/>
           <p:nvPr>
             <p:ph type="title"/>
@@ -9547,7 +9072,7 @@
       </p:sp>
       <p:sp>
         <p:nvSpPr>
-          <p:cNvPr id="269" name="Google Shape;69;p14"/>
+          <p:cNvPr id="243" name="Google Shape;69;p14"/>
           <p:cNvSpPr txBox="1"/>
           <p:nvPr/>
         </p:nvSpPr>
@@ -9835,9 +9360,13 @@
   <p:cSld>
     <p:bg>
       <p:bgPr>
-        <a:solidFill>
-          <a:srgbClr val="EDDACC"/>
-        </a:solidFill>
+        <a:blipFill rotWithShape="1">
+          <a:blip r:embed="rId2"/>
+          <a:srcRect l="0" t="0" r="0" b="0"/>
+          <a:stretch>
+            <a:fillRect/>
+          </a:stretch>
+        </a:blipFill>
       </p:bgPr>
     </p:bg>
     <p:spTree>
@@ -9854,38 +9383,9 @@
           <a:chExt cx="0" cy="0"/>
         </a:xfrm>
       </p:grpSpPr>
-      <p:pic>
-        <p:nvPicPr>
-          <p:cNvPr id="271" name="5f461d116006137.6059ac1f3a043.jpg" descr="5f461d116006137.6059ac1f3a043.jpg"/>
-          <p:cNvPicPr>
-            <a:picLocks noChangeAspect="1"/>
-          </p:cNvPicPr>
-          <p:nvPr/>
-        </p:nvPicPr>
-        <p:blipFill>
-          <a:blip r:embed="rId2">
-            <a:extLst/>
-          </a:blip>
-          <a:stretch>
-            <a:fillRect/>
-          </a:stretch>
-        </p:blipFill>
-        <p:spPr>
-          <a:xfrm>
-            <a:off x="-38625" y="-1281005"/>
-            <a:ext cx="12269250" cy="8179500"/>
-          </a:xfrm>
-          <a:prstGeom prst="rect">
-            <a:avLst/>
-          </a:prstGeom>
-          <a:ln w="12700">
-            <a:miter lim="400000"/>
-          </a:ln>
-        </p:spPr>
-      </p:pic>
       <p:sp>
         <p:nvSpPr>
-          <p:cNvPr id="272" name="Google Shape;55;p13"/>
+          <p:cNvPr id="245" name="Google Shape;55;p13"/>
           <p:cNvSpPr txBox="1"/>
           <p:nvPr>
             <p:ph type="title"/>
@@ -9925,7 +9425,7 @@
       </p:sp>
       <p:pic>
         <p:nvPicPr>
-          <p:cNvPr id="273" name="Captura de pantalla 2021-07-17 a las 13.57.41.png" descr="Captura de pantalla 2021-07-17 a las 13.57.41.png"/>
+          <p:cNvPr id="246" name="Captura de pantalla 2021-07-17 a las 13.57.41.png" descr="Captura de pantalla 2021-07-17 a las 13.57.41.png"/>
           <p:cNvPicPr>
             <a:picLocks noChangeAspect="1"/>
           </p:cNvPicPr>
@@ -9966,9 +9466,13 @@
   <p:cSld>
     <p:bg>
       <p:bgPr>
-        <a:solidFill>
-          <a:srgbClr val="EDDACC"/>
-        </a:solidFill>
+        <a:blipFill rotWithShape="1">
+          <a:blip r:embed="rId2"/>
+          <a:srcRect l="0" t="0" r="0" b="0"/>
+          <a:stretch>
+            <a:fillRect/>
+          </a:stretch>
+        </a:blipFill>
       </p:bgPr>
     </p:bg>
     <p:spTree>
@@ -9985,38 +9489,9 @@
           <a:chExt cx="0" cy="0"/>
         </a:xfrm>
       </p:grpSpPr>
-      <p:pic>
-        <p:nvPicPr>
-          <p:cNvPr id="275" name="5f461d116006137.6059ac1f3a043.jpg" descr="5f461d116006137.6059ac1f3a043.jpg"/>
-          <p:cNvPicPr>
-            <a:picLocks noChangeAspect="1"/>
-          </p:cNvPicPr>
-          <p:nvPr/>
-        </p:nvPicPr>
-        <p:blipFill>
-          <a:blip r:embed="rId2">
-            <a:extLst/>
-          </a:blip>
-          <a:stretch>
-            <a:fillRect/>
-          </a:stretch>
-        </p:blipFill>
-        <p:spPr>
-          <a:xfrm>
-            <a:off x="-38625" y="-1281005"/>
-            <a:ext cx="12269250" cy="8179500"/>
-          </a:xfrm>
-          <a:prstGeom prst="rect">
-            <a:avLst/>
-          </a:prstGeom>
-          <a:ln w="12700">
-            <a:miter lim="400000"/>
-          </a:ln>
-        </p:spPr>
-      </p:pic>
       <p:sp>
         <p:nvSpPr>
-          <p:cNvPr id="276" name="Google Shape;55;p13"/>
+          <p:cNvPr id="248" name="Google Shape;55;p13"/>
           <p:cNvSpPr txBox="1"/>
           <p:nvPr>
             <p:ph type="title"/>
@@ -10056,7 +9531,7 @@
       </p:sp>
       <p:sp>
         <p:nvSpPr>
-          <p:cNvPr id="277" name="Google Shape;69;p14"/>
+          <p:cNvPr id="249" name="Google Shape;69;p14"/>
           <p:cNvSpPr txBox="1"/>
           <p:nvPr/>
         </p:nvSpPr>
@@ -10191,9 +9666,13 @@
   <p:cSld>
     <p:bg>
       <p:bgPr>
-        <a:solidFill>
-          <a:srgbClr val="EDDACC"/>
-        </a:solidFill>
+        <a:blipFill rotWithShape="1">
+          <a:blip r:embed="rId2"/>
+          <a:srcRect l="0" t="0" r="0" b="0"/>
+          <a:stretch>
+            <a:fillRect/>
+          </a:stretch>
+        </a:blipFill>
       </p:bgPr>
     </p:bg>
     <p:spTree>
@@ -10210,38 +9689,9 @@
           <a:chExt cx="0" cy="0"/>
         </a:xfrm>
       </p:grpSpPr>
-      <p:pic>
-        <p:nvPicPr>
-          <p:cNvPr id="279" name="5f461d116006137.6059ac1f3a043.jpg" descr="5f461d116006137.6059ac1f3a043.jpg"/>
-          <p:cNvPicPr>
-            <a:picLocks noChangeAspect="1"/>
-          </p:cNvPicPr>
-          <p:nvPr/>
-        </p:nvPicPr>
-        <p:blipFill>
-          <a:blip r:embed="rId2">
-            <a:extLst/>
-          </a:blip>
-          <a:stretch>
-            <a:fillRect/>
-          </a:stretch>
-        </p:blipFill>
-        <p:spPr>
-          <a:xfrm>
-            <a:off x="-38625" y="-1281005"/>
-            <a:ext cx="12269250" cy="8179500"/>
-          </a:xfrm>
-          <a:prstGeom prst="rect">
-            <a:avLst/>
-          </a:prstGeom>
-          <a:ln w="12700">
-            <a:miter lim="400000"/>
-          </a:ln>
-        </p:spPr>
-      </p:pic>
       <p:sp>
         <p:nvSpPr>
-          <p:cNvPr id="280" name="Google Shape;55;p13"/>
+          <p:cNvPr id="251" name="Google Shape;55;p13"/>
           <p:cNvSpPr txBox="1"/>
           <p:nvPr>
             <p:ph type="title"/>
@@ -10281,7 +9731,7 @@
       </p:sp>
       <p:sp>
         <p:nvSpPr>
-          <p:cNvPr id="281" name="Google Shape;69;p14"/>
+          <p:cNvPr id="252" name="Google Shape;69;p14"/>
           <p:cNvSpPr txBox="1"/>
           <p:nvPr/>
         </p:nvSpPr>
@@ -10350,7 +9800,7 @@
       </p:sp>
       <p:pic>
         <p:nvPicPr>
-          <p:cNvPr id="282" name="dsmGaKWMeHXe9QuJtq_ys30PNfTGnMsRuHuo_MUzGCg.jpg" descr="dsmGaKWMeHXe9QuJtq_ys30PNfTGnMsRuHuo_MUzGCg.jpg"/>
+          <p:cNvPr id="253" name="dsmGaKWMeHXe9QuJtq_ys30PNfTGnMsRuHuo_MUzGCg.jpg" descr="dsmGaKWMeHXe9QuJtq_ys30PNfTGnMsRuHuo_MUzGCg.jpg"/>
           <p:cNvPicPr>
             <a:picLocks noChangeAspect="1"/>
           </p:cNvPicPr>
@@ -10391,9 +9841,13 @@
   <p:cSld>
     <p:bg>
       <p:bgPr>
-        <a:solidFill>
-          <a:srgbClr val="EDDACC"/>
-        </a:solidFill>
+        <a:blipFill rotWithShape="1">
+          <a:blip r:embed="rId2"/>
+          <a:srcRect l="0" t="0" r="0" b="0"/>
+          <a:stretch>
+            <a:fillRect/>
+          </a:stretch>
+        </a:blipFill>
       </p:bgPr>
     </p:bg>
     <p:spTree>
@@ -10410,38 +9864,9 @@
           <a:chExt cx="0" cy="0"/>
         </a:xfrm>
       </p:grpSpPr>
-      <p:pic>
-        <p:nvPicPr>
-          <p:cNvPr id="119" name="5f461d116006137.6059ac1f3a043.jpg" descr="5f461d116006137.6059ac1f3a043.jpg"/>
-          <p:cNvPicPr>
-            <a:picLocks noChangeAspect="1"/>
-          </p:cNvPicPr>
-          <p:nvPr/>
-        </p:nvPicPr>
-        <p:blipFill>
-          <a:blip r:embed="rId2">
-            <a:extLst/>
-          </a:blip>
-          <a:stretch>
-            <a:fillRect/>
-          </a:stretch>
-        </p:blipFill>
-        <p:spPr>
-          <a:xfrm>
-            <a:off x="-38625" y="-1281005"/>
-            <a:ext cx="12269250" cy="8179500"/>
-          </a:xfrm>
-          <a:prstGeom prst="rect">
-            <a:avLst/>
-          </a:prstGeom>
-          <a:ln w="12700">
-            <a:miter lim="400000"/>
-          </a:ln>
-        </p:spPr>
-      </p:pic>
       <p:sp>
         <p:nvSpPr>
-          <p:cNvPr id="120" name="Google Shape;55;p13"/>
+          <p:cNvPr id="117" name="Google Shape;55;p13"/>
           <p:cNvSpPr txBox="1"/>
           <p:nvPr>
             <p:ph type="title"/>
@@ -10481,7 +9906,7 @@
       </p:sp>
       <p:sp>
         <p:nvSpPr>
-          <p:cNvPr id="121" name="Google Shape;69;p14"/>
+          <p:cNvPr id="118" name="Google Shape;69;p14"/>
           <p:cNvSpPr txBox="1"/>
           <p:nvPr/>
         </p:nvSpPr>
@@ -10534,7 +9959,7 @@
       </p:sp>
       <p:sp>
         <p:nvSpPr>
-          <p:cNvPr id="122" name="Google Shape;69;p14"/>
+          <p:cNvPr id="119" name="Google Shape;69;p14"/>
           <p:cNvSpPr txBox="1"/>
           <p:nvPr/>
         </p:nvSpPr>
@@ -10680,7 +10105,7 @@
       </p:sp>
       <p:pic>
         <p:nvPicPr>
-          <p:cNvPr id="123" name="sql2.png" descr="sql2.png"/>
+          <p:cNvPr id="120" name="sql2.png" descr="sql2.png"/>
           <p:cNvPicPr>
             <a:picLocks noChangeAspect="1"/>
           </p:cNvPicPr>
@@ -10722,9 +10147,13 @@
   <p:cSld>
     <p:bg>
       <p:bgPr>
-        <a:solidFill>
-          <a:srgbClr val="EDDACC"/>
-        </a:solidFill>
+        <a:blipFill rotWithShape="1">
+          <a:blip r:embed="rId2"/>
+          <a:srcRect l="0" t="0" r="0" b="0"/>
+          <a:stretch>
+            <a:fillRect/>
+          </a:stretch>
+        </a:blipFill>
       </p:bgPr>
     </p:bg>
     <p:spTree>
@@ -10741,38 +10170,9 @@
           <a:chExt cx="0" cy="0"/>
         </a:xfrm>
       </p:grpSpPr>
-      <p:pic>
-        <p:nvPicPr>
-          <p:cNvPr id="284" name="5f461d116006137.6059ac1f3a043.jpg" descr="5f461d116006137.6059ac1f3a043.jpg"/>
-          <p:cNvPicPr>
-            <a:picLocks noChangeAspect="1"/>
-          </p:cNvPicPr>
-          <p:nvPr/>
-        </p:nvPicPr>
-        <p:blipFill>
-          <a:blip r:embed="rId2">
-            <a:extLst/>
-          </a:blip>
-          <a:stretch>
-            <a:fillRect/>
-          </a:stretch>
-        </p:blipFill>
-        <p:spPr>
-          <a:xfrm>
-            <a:off x="-38625" y="-1281005"/>
-            <a:ext cx="12269250" cy="8179500"/>
-          </a:xfrm>
-          <a:prstGeom prst="rect">
-            <a:avLst/>
-          </a:prstGeom>
-          <a:ln w="12700">
-            <a:miter lim="400000"/>
-          </a:ln>
-        </p:spPr>
-      </p:pic>
       <p:sp>
         <p:nvSpPr>
-          <p:cNvPr id="285" name="Rectángulo"/>
+          <p:cNvPr id="255" name="Rectángulo"/>
           <p:cNvSpPr/>
           <p:nvPr/>
         </p:nvSpPr>
@@ -10804,7 +10204,7 @@
       </p:sp>
       <p:sp>
         <p:nvSpPr>
-          <p:cNvPr id="286" name="Google Shape;55;p13"/>
+          <p:cNvPr id="256" name="Google Shape;55;p13"/>
           <p:cNvSpPr txBox="1"/>
           <p:nvPr>
             <p:ph type="title"/>
@@ -10844,7 +10244,7 @@
       </p:sp>
       <p:pic>
         <p:nvPicPr>
-          <p:cNvPr id="287" name="Sin título-5.png" descr="Sin título-5.png"/>
+          <p:cNvPr id="257" name="Sin título-5.png" descr="Sin título-5.png"/>
           <p:cNvPicPr>
             <a:picLocks noChangeAspect="1"/>
           </p:cNvPicPr>
@@ -10874,7 +10274,7 @@
       </p:pic>
       <p:sp>
         <p:nvSpPr>
-          <p:cNvPr id="288" name="https://www.postgresqltutorial.com/postgresql-joins/"/>
+          <p:cNvPr id="258" name="https://www.postgresqltutorial.com/postgresql-joins/"/>
           <p:cNvSpPr txBox="1"/>
           <p:nvPr/>
         </p:nvSpPr>
@@ -10922,9 +10322,13 @@
   <p:cSld>
     <p:bg>
       <p:bgPr>
-        <a:solidFill>
-          <a:srgbClr val="EDDACC"/>
-        </a:solidFill>
+        <a:blipFill rotWithShape="1">
+          <a:blip r:embed="rId2"/>
+          <a:srcRect l="0" t="0" r="0" b="0"/>
+          <a:stretch>
+            <a:fillRect/>
+          </a:stretch>
+        </a:blipFill>
       </p:bgPr>
     </p:bg>
     <p:spTree>
@@ -10941,38 +10345,9 @@
           <a:chExt cx="0" cy="0"/>
         </a:xfrm>
       </p:grpSpPr>
-      <p:pic>
-        <p:nvPicPr>
-          <p:cNvPr id="290" name="5f461d116006137.6059ac1f3a043.jpg" descr="5f461d116006137.6059ac1f3a043.jpg"/>
-          <p:cNvPicPr>
-            <a:picLocks noChangeAspect="1"/>
-          </p:cNvPicPr>
-          <p:nvPr/>
-        </p:nvPicPr>
-        <p:blipFill>
-          <a:blip r:embed="rId2">
-            <a:extLst/>
-          </a:blip>
-          <a:stretch>
-            <a:fillRect/>
-          </a:stretch>
-        </p:blipFill>
-        <p:spPr>
-          <a:xfrm>
-            <a:off x="-38625" y="-1281005"/>
-            <a:ext cx="12269250" cy="8179500"/>
-          </a:xfrm>
-          <a:prstGeom prst="rect">
-            <a:avLst/>
-          </a:prstGeom>
-          <a:ln w="12700">
-            <a:miter lim="400000"/>
-          </a:ln>
-        </p:spPr>
-      </p:pic>
       <p:sp>
         <p:nvSpPr>
-          <p:cNvPr id="291" name="Google Shape;55;p13"/>
+          <p:cNvPr id="260" name="Google Shape;55;p13"/>
           <p:cNvSpPr txBox="1"/>
           <p:nvPr>
             <p:ph type="title"/>
@@ -11012,7 +10387,7 @@
       </p:sp>
       <p:graphicFrame>
         <p:nvGraphicFramePr>
-          <p:cNvPr id="292" name="Table 6"/>
+          <p:cNvPr id="261" name="Table 6"/>
           <p:cNvGraphicFramePr/>
           <p:nvPr/>
         </p:nvGraphicFramePr>
@@ -11352,7 +10727,7 @@
       </p:graphicFrame>
       <p:graphicFrame>
         <p:nvGraphicFramePr>
-          <p:cNvPr id="293" name="Table 6"/>
+          <p:cNvPr id="262" name="Table 6"/>
           <p:cNvGraphicFramePr/>
           <p:nvPr/>
         </p:nvGraphicFramePr>
@@ -11745,7 +11120,7 @@
       </p:graphicFrame>
       <p:sp>
         <p:nvSpPr>
-          <p:cNvPr id="294" name="Google Shape;69;p14"/>
+          <p:cNvPr id="263" name="Google Shape;69;p14"/>
           <p:cNvSpPr txBox="1"/>
           <p:nvPr/>
         </p:nvSpPr>
@@ -11808,9 +11183,13 @@
   <p:cSld>
     <p:bg>
       <p:bgPr>
-        <a:solidFill>
-          <a:srgbClr val="EDDACC"/>
-        </a:solidFill>
+        <a:blipFill rotWithShape="1">
+          <a:blip r:embed="rId2"/>
+          <a:srcRect l="0" t="0" r="0" b="0"/>
+          <a:stretch>
+            <a:fillRect/>
+          </a:stretch>
+        </a:blipFill>
       </p:bgPr>
     </p:bg>
     <p:spTree>
@@ -11827,38 +11206,9 @@
           <a:chExt cx="0" cy="0"/>
         </a:xfrm>
       </p:grpSpPr>
-      <p:pic>
-        <p:nvPicPr>
-          <p:cNvPr id="296" name="5f461d116006137.6059ac1f3a043.jpg" descr="5f461d116006137.6059ac1f3a043.jpg"/>
-          <p:cNvPicPr>
-            <a:picLocks noChangeAspect="1"/>
-          </p:cNvPicPr>
-          <p:nvPr/>
-        </p:nvPicPr>
-        <p:blipFill>
-          <a:blip r:embed="rId2">
-            <a:extLst/>
-          </a:blip>
-          <a:stretch>
-            <a:fillRect/>
-          </a:stretch>
-        </p:blipFill>
-        <p:spPr>
-          <a:xfrm>
-            <a:off x="-38625" y="-1281005"/>
-            <a:ext cx="12269250" cy="8179500"/>
-          </a:xfrm>
-          <a:prstGeom prst="rect">
-            <a:avLst/>
-          </a:prstGeom>
-          <a:ln w="12700">
-            <a:miter lim="400000"/>
-          </a:ln>
-        </p:spPr>
-      </p:pic>
       <p:sp>
         <p:nvSpPr>
-          <p:cNvPr id="297" name="Google Shape;55;p13"/>
+          <p:cNvPr id="265" name="Google Shape;55;p13"/>
           <p:cNvSpPr txBox="1"/>
           <p:nvPr>
             <p:ph type="title"/>
@@ -11898,7 +11248,7 @@
       </p:sp>
       <p:sp>
         <p:nvSpPr>
-          <p:cNvPr id="298" name="Google Shape;56;p13"/>
+          <p:cNvPr id="266" name="Google Shape;56;p13"/>
           <p:cNvSpPr txBox="1"/>
           <p:nvPr>
             <p:ph type="body" idx="1"/>
@@ -12207,9 +11557,13 @@
   <p:cSld>
     <p:bg>
       <p:bgPr>
-        <a:solidFill>
-          <a:srgbClr val="EDDACC"/>
-        </a:solidFill>
+        <a:blipFill rotWithShape="1">
+          <a:blip r:embed="rId2"/>
+          <a:srcRect l="0" t="0" r="0" b="0"/>
+          <a:stretch>
+            <a:fillRect/>
+          </a:stretch>
+        </a:blipFill>
       </p:bgPr>
     </p:bg>
     <p:spTree>
@@ -12226,38 +11580,9 @@
           <a:chExt cx="0" cy="0"/>
         </a:xfrm>
       </p:grpSpPr>
-      <p:pic>
-        <p:nvPicPr>
-          <p:cNvPr id="300" name="5f461d116006137.6059ac1f3a043.jpg" descr="5f461d116006137.6059ac1f3a043.jpg"/>
-          <p:cNvPicPr>
-            <a:picLocks noChangeAspect="1"/>
-          </p:cNvPicPr>
-          <p:nvPr/>
-        </p:nvPicPr>
-        <p:blipFill>
-          <a:blip r:embed="rId2">
-            <a:extLst/>
-          </a:blip>
-          <a:stretch>
-            <a:fillRect/>
-          </a:stretch>
-        </p:blipFill>
-        <p:spPr>
-          <a:xfrm>
-            <a:off x="-38625" y="-1281005"/>
-            <a:ext cx="12269250" cy="8179500"/>
-          </a:xfrm>
-          <a:prstGeom prst="rect">
-            <a:avLst/>
-          </a:prstGeom>
-          <a:ln w="12700">
-            <a:miter lim="400000"/>
-          </a:ln>
-        </p:spPr>
-      </p:pic>
       <p:sp>
         <p:nvSpPr>
-          <p:cNvPr id="301" name="Google Shape;55;p13"/>
+          <p:cNvPr id="268" name="Google Shape;55;p13"/>
           <p:cNvSpPr txBox="1"/>
           <p:nvPr>
             <p:ph type="title"/>
@@ -12297,7 +11622,7 @@
       </p:sp>
       <p:sp>
         <p:nvSpPr>
-          <p:cNvPr id="302" name="Google Shape;56;p13"/>
+          <p:cNvPr id="269" name="Google Shape;56;p13"/>
           <p:cNvSpPr txBox="1"/>
           <p:nvPr>
             <p:ph type="body" idx="1"/>
@@ -12606,9 +11931,13 @@
   <p:cSld>
     <p:bg>
       <p:bgPr>
-        <a:solidFill>
-          <a:srgbClr val="EDDACC"/>
-        </a:solidFill>
+        <a:blipFill rotWithShape="1">
+          <a:blip r:embed="rId2"/>
+          <a:srcRect l="0" t="0" r="0" b="0"/>
+          <a:stretch>
+            <a:fillRect/>
+          </a:stretch>
+        </a:blipFill>
       </p:bgPr>
     </p:bg>
     <p:spTree>
@@ -12625,38 +11954,9 @@
           <a:chExt cx="0" cy="0"/>
         </a:xfrm>
       </p:grpSpPr>
-      <p:pic>
-        <p:nvPicPr>
-          <p:cNvPr id="125" name="5f461d116006137.6059ac1f3a043.jpg" descr="5f461d116006137.6059ac1f3a043.jpg"/>
-          <p:cNvPicPr>
-            <a:picLocks noChangeAspect="1"/>
-          </p:cNvPicPr>
-          <p:nvPr/>
-        </p:nvPicPr>
-        <p:blipFill>
-          <a:blip r:embed="rId2">
-            <a:extLst/>
-          </a:blip>
-          <a:stretch>
-            <a:fillRect/>
-          </a:stretch>
-        </p:blipFill>
-        <p:spPr>
-          <a:xfrm>
-            <a:off x="-38625" y="-1281005"/>
-            <a:ext cx="12269250" cy="8179500"/>
-          </a:xfrm>
-          <a:prstGeom prst="rect">
-            <a:avLst/>
-          </a:prstGeom>
-          <a:ln w="12700">
-            <a:miter lim="400000"/>
-          </a:ln>
-        </p:spPr>
-      </p:pic>
       <p:sp>
         <p:nvSpPr>
-          <p:cNvPr id="126" name="Rectángulo"/>
+          <p:cNvPr id="122" name="Rectángulo"/>
           <p:cNvSpPr/>
           <p:nvPr/>
         </p:nvSpPr>
@@ -12688,7 +11988,7 @@
       </p:sp>
       <p:sp>
         <p:nvSpPr>
-          <p:cNvPr id="127" name="Google Shape;55;p13"/>
+          <p:cNvPr id="123" name="Google Shape;55;p13"/>
           <p:cNvSpPr txBox="1"/>
           <p:nvPr>
             <p:ph type="title"/>
@@ -12728,7 +12028,7 @@
       </p:sp>
       <p:pic>
         <p:nvPicPr>
-          <p:cNvPr id="128" name="sql6.png" descr="sql6.png"/>
+          <p:cNvPr id="124" name="sql6.png" descr="sql6.png"/>
           <p:cNvPicPr>
             <a:picLocks noChangeAspect="1"/>
           </p:cNvPicPr>
@@ -12758,7 +12058,7 @@
       </p:pic>
       <p:sp>
         <p:nvSpPr>
-          <p:cNvPr id="129" name="Oval 6"/>
+          <p:cNvPr id="125" name="Oval 6"/>
           <p:cNvSpPr/>
           <p:nvPr/>
         </p:nvSpPr>
@@ -12793,7 +12093,7 @@
       </p:sp>
       <p:sp>
         <p:nvSpPr>
-          <p:cNvPr id="130" name="Oval 6"/>
+          <p:cNvPr id="126" name="Oval 6"/>
           <p:cNvSpPr/>
           <p:nvPr/>
         </p:nvSpPr>
@@ -12823,6 +12123,173 @@
                 </a:solidFill>
               </a:defRPr>
             </a:pPr>
+          </a:p>
+        </p:txBody>
+      </p:sp>
+      <p:sp>
+        <p:nvSpPr>
+          <p:cNvPr id="127" name="Línea"/>
+          <p:cNvSpPr/>
+          <p:nvPr/>
+        </p:nvSpPr>
+        <p:spPr>
+          <a:xfrm>
+            <a:off x="7906460" y="2259029"/>
+            <a:ext cx="1372465" cy="1"/>
+          </a:xfrm>
+          <a:prstGeom prst="line">
+            <a:avLst/>
+          </a:prstGeom>
+          <a:ln w="12700">
+            <a:solidFill>
+              <a:srgbClr val="FF0009"/>
+            </a:solidFill>
+            <a:miter lim="400000"/>
+            <a:headEnd type="oval"/>
+            <a:tailEnd type="triangle"/>
+          </a:ln>
+        </p:spPr>
+        <p:txBody>
+          <a:bodyPr lIns="45719" rIns="45719"/>
+          <a:lstStyle/>
+          <a:p>
+            <a:pPr/>
+          </a:p>
+        </p:txBody>
+      </p:sp>
+      <p:sp>
+        <p:nvSpPr>
+          <p:cNvPr id="128" name="Primary Key (PK): Unique identifiers"/>
+          <p:cNvSpPr txBox="1"/>
+          <p:nvPr/>
+        </p:nvSpPr>
+        <p:spPr>
+          <a:xfrm>
+            <a:off x="9345455" y="2088938"/>
+            <a:ext cx="2380955" cy="617363"/>
+          </a:xfrm>
+          <a:prstGeom prst="rect">
+            <a:avLst/>
+          </a:prstGeom>
+          <a:ln w="12700">
+            <a:miter lim="400000"/>
+          </a:ln>
+          <a:extLst>
+            <a:ext uri="{C572A759-6A51-4108-AA02-DFA0A04FC94B}">
+              <ma14:wrappingTextBoxFlag xmlns:ma14="http://schemas.microsoft.com/office/mac/drawingml/2011/main" val="1"/>
+            </a:ext>
+          </a:extLst>
+        </p:spPr>
+        <p:txBody>
+          <a:bodyPr lIns="45719" rIns="45719">
+            <a:spAutoFit/>
+          </a:bodyPr>
+          <a:lstStyle/>
+          <a:p>
+            <a:pPr>
+              <a:defRPr b="1">
+                <a:latin typeface="Arial"/>
+                <a:ea typeface="Arial"/>
+                <a:cs typeface="Arial"/>
+                <a:sym typeface="Arial"/>
+              </a:defRPr>
+            </a:pPr>
+            <a:r>
+              <a:t>Primary Key (PK): </a:t>
+            </a:r>
+            <a:r>
+              <a:rPr b="0"/>
+              <a:t>Unique identifiers</a:t>
+            </a:r>
+          </a:p>
+        </p:txBody>
+      </p:sp>
+      <p:sp>
+        <p:nvSpPr>
+          <p:cNvPr id="129" name="Línea"/>
+          <p:cNvSpPr/>
+          <p:nvPr/>
+        </p:nvSpPr>
+        <p:spPr>
+          <a:xfrm>
+            <a:off x="7908446" y="2404386"/>
+            <a:ext cx="1369506" cy="585347"/>
+          </a:xfrm>
+          <a:prstGeom prst="line">
+            <a:avLst/>
+          </a:prstGeom>
+          <a:ln w="12700">
+            <a:solidFill>
+              <a:srgbClr val="FF0009"/>
+            </a:solidFill>
+            <a:miter/>
+            <a:headEnd type="oval"/>
+            <a:tailEnd type="triangle"/>
+          </a:ln>
+        </p:spPr>
+        <p:txBody>
+          <a:bodyPr lIns="45719" rIns="45719"/>
+          <a:lstStyle/>
+          <a:p>
+            <a:pPr/>
+          </a:p>
+        </p:txBody>
+      </p:sp>
+      <p:sp>
+        <p:nvSpPr>
+          <p:cNvPr id="130" name="Foreign Key (FK):…"/>
+          <p:cNvSpPr txBox="1"/>
+          <p:nvPr/>
+        </p:nvSpPr>
+        <p:spPr>
+          <a:xfrm>
+            <a:off x="9322495" y="2867006"/>
+            <a:ext cx="2675278" cy="884063"/>
+          </a:xfrm>
+          <a:prstGeom prst="rect">
+            <a:avLst/>
+          </a:prstGeom>
+          <a:ln w="12700">
+            <a:miter lim="400000"/>
+          </a:ln>
+          <a:extLst>
+            <a:ext uri="{C572A759-6A51-4108-AA02-DFA0A04FC94B}">
+              <ma14:wrappingTextBoxFlag xmlns:ma14="http://schemas.microsoft.com/office/mac/drawingml/2011/main" val="1"/>
+            </a:ext>
+          </a:extLst>
+        </p:spPr>
+        <p:txBody>
+          <a:bodyPr lIns="45719" rIns="45719">
+            <a:spAutoFit/>
+          </a:bodyPr>
+          <a:lstStyle/>
+          <a:p>
+            <a:pPr>
+              <a:defRPr>
+                <a:latin typeface="Arial"/>
+                <a:ea typeface="Arial"/>
+                <a:cs typeface="Arial"/>
+                <a:sym typeface="Arial"/>
+              </a:defRPr>
+            </a:pPr>
+            <a:r>
+              <a:rPr b="1"/>
+              <a:t>Foreign Key (FK):</a:t>
+            </a:r>
+            <a:endParaRPr b="1"/>
+          </a:p>
+          <a:p>
+            <a:pPr>
+              <a:defRPr>
+                <a:latin typeface="Arial"/>
+                <a:ea typeface="Arial"/>
+                <a:cs typeface="Arial"/>
+                <a:sym typeface="Arial"/>
+              </a:defRPr>
+            </a:pPr>
+            <a:r>
+              <a:t>Is a column in one table which is a PK</a:t>
+            </a:r>
           </a:p>
         </p:txBody>
       </p:sp>
@@ -12834,8 +12301,8 @@
         </p:nvSpPr>
         <p:spPr>
           <a:xfrm>
-            <a:off x="7906460" y="2259029"/>
-            <a:ext cx="1372465" cy="1"/>
+            <a:off x="7221734" y="3902933"/>
+            <a:ext cx="1978740" cy="249711"/>
           </a:xfrm>
           <a:prstGeom prst="line">
             <a:avLst/>
@@ -12844,7 +12311,7 @@
             <a:solidFill>
               <a:srgbClr val="FF0009"/>
             </a:solidFill>
-            <a:miter lim="400000"/>
+            <a:miter/>
             <a:headEnd type="oval"/>
             <a:tailEnd type="triangle"/>
           </a:ln>
@@ -12859,14 +12326,14 @@
       </p:sp>
       <p:sp>
         <p:nvSpPr>
-          <p:cNvPr id="132" name="Primary Key (PK): Unique identifiers"/>
+          <p:cNvPr id="132" name="Crow’s foot:…"/>
           <p:cNvSpPr txBox="1"/>
           <p:nvPr/>
         </p:nvSpPr>
         <p:spPr>
           <a:xfrm>
-            <a:off x="9345455" y="2088938"/>
-            <a:ext cx="2380955" cy="617363"/>
+            <a:off x="9322495" y="4003616"/>
+            <a:ext cx="2675278" cy="884062"/>
           </a:xfrm>
           <a:prstGeom prst="rect">
             <a:avLst/>
@@ -12887,7 +12354,7 @@
           <a:lstStyle/>
           <a:p>
             <a:pPr>
-              <a:defRPr b="1">
+              <a:defRPr>
                 <a:latin typeface="Arial"/>
                 <a:ea typeface="Arial"/>
                 <a:cs typeface="Arial"/>
@@ -12895,25 +12362,77 @@
               </a:defRPr>
             </a:pPr>
             <a:r>
-              <a:t>Primary Key (PK): </a:t>
-            </a:r>
-            <a:r>
-              <a:rPr b="0"/>
-              <a:t>Unique identifiers</a:t>
+              <a:rPr b="1"/>
+              <a:t>Crow’s foot</a:t>
+            </a:r>
+            <a:r>
+              <a:t>:</a:t>
+            </a:r>
+          </a:p>
+          <a:p>
+            <a:pPr>
+              <a:defRPr>
+                <a:latin typeface="Arial"/>
+                <a:ea typeface="Arial"/>
+                <a:cs typeface="Arial"/>
+                <a:sym typeface="Arial"/>
+              </a:defRPr>
+            </a:pPr>
+            <a:r>
+              <a:t>Indicates many of the instances of a </a:t>
+            </a:r>
+            <a:r>
+              <a:rPr b="1"/>
+              <a:t>FK</a:t>
             </a:r>
           </a:p>
         </p:txBody>
       </p:sp>
       <p:sp>
         <p:nvSpPr>
-          <p:cNvPr id="133" name="Línea"/>
+          <p:cNvPr id="133" name="Oval 6"/>
           <p:cNvSpPr/>
           <p:nvPr/>
         </p:nvSpPr>
         <p:spPr>
           <a:xfrm>
-            <a:off x="7908446" y="2404386"/>
-            <a:ext cx="1369506" cy="585347"/>
+            <a:off x="8068120" y="5003417"/>
+            <a:ext cx="266814" cy="280378"/>
+          </a:xfrm>
+          <a:prstGeom prst="ellipse">
+            <a:avLst/>
+          </a:prstGeom>
+          <a:ln w="28575">
+            <a:solidFill>
+              <a:srgbClr val="FF2200"/>
+            </a:solidFill>
+            <a:miter/>
+          </a:ln>
+        </p:spPr>
+        <p:txBody>
+          <a:bodyPr lIns="45719" rIns="45719" anchor="ctr"/>
+          <a:lstStyle/>
+          <a:p>
+            <a:pPr algn="ctr">
+              <a:defRPr>
+                <a:solidFill>
+                  <a:srgbClr val="FFFFFF"/>
+                </a:solidFill>
+              </a:defRPr>
+            </a:pPr>
+          </a:p>
+        </p:txBody>
+      </p:sp>
+      <p:sp>
+        <p:nvSpPr>
+          <p:cNvPr id="134" name="Línea"/>
+          <p:cNvSpPr/>
+          <p:nvPr/>
+        </p:nvSpPr>
+        <p:spPr>
+          <a:xfrm>
+            <a:off x="7220846" y="4247978"/>
+            <a:ext cx="1981629" cy="928159"/>
           </a:xfrm>
           <a:prstGeom prst="line">
             <a:avLst/>
@@ -12937,72 +12456,14 @@
       </p:sp>
       <p:sp>
         <p:nvSpPr>
-          <p:cNvPr id="134" name="Foreign Key (FK):…"/>
-          <p:cNvSpPr txBox="1"/>
-          <p:nvPr/>
-        </p:nvSpPr>
-        <p:spPr>
-          <a:xfrm>
-            <a:off x="9322495" y="2867006"/>
-            <a:ext cx="2675278" cy="884063"/>
-          </a:xfrm>
-          <a:prstGeom prst="rect">
-            <a:avLst/>
-          </a:prstGeom>
-          <a:ln w="12700">
-            <a:miter lim="400000"/>
-          </a:ln>
-          <a:extLst>
-            <a:ext uri="{C572A759-6A51-4108-AA02-DFA0A04FC94B}">
-              <ma14:wrappingTextBoxFlag xmlns:ma14="http://schemas.microsoft.com/office/mac/drawingml/2011/main" val="1"/>
-            </a:ext>
-          </a:extLst>
-        </p:spPr>
-        <p:txBody>
-          <a:bodyPr lIns="45719" rIns="45719">
-            <a:spAutoFit/>
-          </a:bodyPr>
-          <a:lstStyle/>
-          <a:p>
-            <a:pPr>
-              <a:defRPr>
-                <a:latin typeface="Arial"/>
-                <a:ea typeface="Arial"/>
-                <a:cs typeface="Arial"/>
-                <a:sym typeface="Arial"/>
-              </a:defRPr>
-            </a:pPr>
-            <a:r>
-              <a:rPr b="1"/>
-              <a:t>Foreign Key (FK):</a:t>
-            </a:r>
-            <a:endParaRPr b="1"/>
-          </a:p>
-          <a:p>
-            <a:pPr>
-              <a:defRPr>
-                <a:latin typeface="Arial"/>
-                <a:ea typeface="Arial"/>
-                <a:cs typeface="Arial"/>
-                <a:sym typeface="Arial"/>
-              </a:defRPr>
-            </a:pPr>
-            <a:r>
-              <a:t>Is a column in one table which is a PK</a:t>
-            </a:r>
-          </a:p>
-        </p:txBody>
-      </p:sp>
-      <p:sp>
-        <p:nvSpPr>
           <p:cNvPr id="135" name="Línea"/>
           <p:cNvSpPr/>
           <p:nvPr/>
         </p:nvSpPr>
         <p:spPr>
           <a:xfrm>
-            <a:off x="7221734" y="3902933"/>
-            <a:ext cx="1978740" cy="249711"/>
+            <a:off x="8327375" y="5156343"/>
+            <a:ext cx="877010" cy="1"/>
           </a:xfrm>
           <a:prstGeom prst="line">
             <a:avLst/>
@@ -13026,168 +12487,7 @@
       </p:sp>
       <p:sp>
         <p:nvSpPr>
-          <p:cNvPr id="136" name="Crow’s foot:…"/>
-          <p:cNvSpPr txBox="1"/>
-          <p:nvPr/>
-        </p:nvSpPr>
-        <p:spPr>
-          <a:xfrm>
-            <a:off x="9322495" y="4003616"/>
-            <a:ext cx="2675278" cy="884062"/>
-          </a:xfrm>
-          <a:prstGeom prst="rect">
-            <a:avLst/>
-          </a:prstGeom>
-          <a:ln w="12700">
-            <a:miter lim="400000"/>
-          </a:ln>
-          <a:extLst>
-            <a:ext uri="{C572A759-6A51-4108-AA02-DFA0A04FC94B}">
-              <ma14:wrappingTextBoxFlag xmlns:ma14="http://schemas.microsoft.com/office/mac/drawingml/2011/main" val="1"/>
-            </a:ext>
-          </a:extLst>
-        </p:spPr>
-        <p:txBody>
-          <a:bodyPr lIns="45719" rIns="45719">
-            <a:spAutoFit/>
-          </a:bodyPr>
-          <a:lstStyle/>
-          <a:p>
-            <a:pPr>
-              <a:defRPr>
-                <a:latin typeface="Arial"/>
-                <a:ea typeface="Arial"/>
-                <a:cs typeface="Arial"/>
-                <a:sym typeface="Arial"/>
-              </a:defRPr>
-            </a:pPr>
-            <a:r>
-              <a:rPr b="1"/>
-              <a:t>Crow’s foot</a:t>
-            </a:r>
-            <a:r>
-              <a:t>:</a:t>
-            </a:r>
-          </a:p>
-          <a:p>
-            <a:pPr>
-              <a:defRPr>
-                <a:latin typeface="Arial"/>
-                <a:ea typeface="Arial"/>
-                <a:cs typeface="Arial"/>
-                <a:sym typeface="Arial"/>
-              </a:defRPr>
-            </a:pPr>
-            <a:r>
-              <a:t>Indicates many of the instances of a </a:t>
-            </a:r>
-            <a:r>
-              <a:rPr b="1"/>
-              <a:t>FK</a:t>
-            </a:r>
-          </a:p>
-        </p:txBody>
-      </p:sp>
-      <p:sp>
-        <p:nvSpPr>
-          <p:cNvPr id="137" name="Oval 6"/>
-          <p:cNvSpPr/>
-          <p:nvPr/>
-        </p:nvSpPr>
-        <p:spPr>
-          <a:xfrm>
-            <a:off x="8068120" y="5003417"/>
-            <a:ext cx="266814" cy="280378"/>
-          </a:xfrm>
-          <a:prstGeom prst="ellipse">
-            <a:avLst/>
-          </a:prstGeom>
-          <a:ln w="28575">
-            <a:solidFill>
-              <a:srgbClr val="FF2200"/>
-            </a:solidFill>
-            <a:miter/>
-          </a:ln>
-        </p:spPr>
-        <p:txBody>
-          <a:bodyPr lIns="45719" rIns="45719" anchor="ctr"/>
-          <a:lstStyle/>
-          <a:p>
-            <a:pPr algn="ctr">
-              <a:defRPr>
-                <a:solidFill>
-                  <a:srgbClr val="FFFFFF"/>
-                </a:solidFill>
-              </a:defRPr>
-            </a:pPr>
-          </a:p>
-        </p:txBody>
-      </p:sp>
-      <p:sp>
-        <p:nvSpPr>
-          <p:cNvPr id="138" name="Línea"/>
-          <p:cNvSpPr/>
-          <p:nvPr/>
-        </p:nvSpPr>
-        <p:spPr>
-          <a:xfrm>
-            <a:off x="7220846" y="4247978"/>
-            <a:ext cx="1981629" cy="928159"/>
-          </a:xfrm>
-          <a:prstGeom prst="line">
-            <a:avLst/>
-          </a:prstGeom>
-          <a:ln w="12700">
-            <a:solidFill>
-              <a:srgbClr val="FF0009"/>
-            </a:solidFill>
-            <a:miter/>
-            <a:headEnd type="oval"/>
-            <a:tailEnd type="triangle"/>
-          </a:ln>
-        </p:spPr>
-        <p:txBody>
-          <a:bodyPr lIns="45719" rIns="45719"/>
-          <a:lstStyle/>
-          <a:p>
-            <a:pPr/>
-          </a:p>
-        </p:txBody>
-      </p:sp>
-      <p:sp>
-        <p:nvSpPr>
-          <p:cNvPr id="139" name="Línea"/>
-          <p:cNvSpPr/>
-          <p:nvPr/>
-        </p:nvSpPr>
-        <p:spPr>
-          <a:xfrm>
-            <a:off x="8327375" y="5156343"/>
-            <a:ext cx="877010" cy="1"/>
-          </a:xfrm>
-          <a:prstGeom prst="line">
-            <a:avLst/>
-          </a:prstGeom>
-          <a:ln w="12700">
-            <a:solidFill>
-              <a:srgbClr val="FF0009"/>
-            </a:solidFill>
-            <a:miter/>
-            <a:headEnd type="oval"/>
-            <a:tailEnd type="triangle"/>
-          </a:ln>
-        </p:spPr>
-        <p:txBody>
-          <a:bodyPr lIns="45719" rIns="45719"/>
-          <a:lstStyle/>
-          <a:p>
-            <a:pPr/>
-          </a:p>
-        </p:txBody>
-      </p:sp>
-      <p:sp>
-        <p:nvSpPr>
-          <p:cNvPr id="140" name="Dash line:…"/>
+          <p:cNvPr id="136" name="Dash line:…"/>
           <p:cNvSpPr txBox="1"/>
           <p:nvPr/>
         </p:nvSpPr>
@@ -13256,9 +12556,13 @@
   <p:cSld>
     <p:bg>
       <p:bgPr>
-        <a:solidFill>
-          <a:srgbClr val="EDDACC"/>
-        </a:solidFill>
+        <a:blipFill rotWithShape="1">
+          <a:blip r:embed="rId2"/>
+          <a:srcRect l="0" t="0" r="0" b="0"/>
+          <a:stretch>
+            <a:fillRect/>
+          </a:stretch>
+        </a:blipFill>
       </p:bgPr>
     </p:bg>
     <p:spTree>
@@ -13275,26 +12579,99 @@
           <a:chExt cx="0" cy="0"/>
         </a:xfrm>
       </p:grpSpPr>
+      <p:sp>
+        <p:nvSpPr>
+          <p:cNvPr id="138" name="Rectángulo"/>
+          <p:cNvSpPr/>
+          <p:nvPr/>
+        </p:nvSpPr>
+        <p:spPr>
+          <a:xfrm>
+            <a:off x="458206" y="1624029"/>
+            <a:ext cx="11519807" cy="5643236"/>
+          </a:xfrm>
+          <a:prstGeom prst="rect">
+            <a:avLst/>
+          </a:prstGeom>
+          <a:solidFill>
+            <a:srgbClr val="FFFFFF"/>
+          </a:solidFill>
+          <a:ln w="12700">
+            <a:solidFill>
+              <a:schemeClr val="accent1"/>
+            </a:solidFill>
+            <a:miter/>
+          </a:ln>
+        </p:spPr>
+        <p:txBody>
+          <a:bodyPr lIns="45719" rIns="45719" anchor="ctr"/>
+          <a:lstStyle/>
+          <a:p>
+            <a:pPr/>
+          </a:p>
+        </p:txBody>
+      </p:sp>
+      <p:sp>
+        <p:nvSpPr>
+          <p:cNvPr id="139" name="Google Shape;55;p13"/>
+          <p:cNvSpPr txBox="1"/>
+          <p:nvPr>
+            <p:ph type="title"/>
+          </p:nvPr>
+        </p:nvSpPr>
+        <p:spPr>
+          <a:xfrm>
+            <a:off x="415599" y="265599"/>
+            <a:ext cx="11360802" cy="1320401"/>
+          </a:xfrm>
+          <a:prstGeom prst="rect">
+            <a:avLst/>
+          </a:prstGeom>
+        </p:spPr>
+        <p:txBody>
+          <a:bodyPr/>
+          <a:lstStyle>
+            <a:lvl1pPr defTabSz="1109472">
+              <a:defRPr sz="6188">
+                <a:solidFill>
+                  <a:srgbClr val="FFFFFF"/>
+                </a:solidFill>
+                <a:latin typeface="Avenir Book"/>
+                <a:ea typeface="Avenir Book"/>
+                <a:cs typeface="Avenir Book"/>
+                <a:sym typeface="Avenir Book"/>
+              </a:defRPr>
+            </a:lvl1pPr>
+          </a:lstStyle>
+          <a:p>
+            <a:pPr/>
+            <a:r>
+              <a:t>EDR Brief Review</a:t>
+            </a:r>
+          </a:p>
+        </p:txBody>
+      </p:sp>
       <p:pic>
         <p:nvPicPr>
-          <p:cNvPr id="142" name="5f461d116006137.6059ac1f3a043.jpg" descr="5f461d116006137.6059ac1f3a043.jpg"/>
+          <p:cNvPr id="140" name="sql6.png" descr="sql6.png"/>
           <p:cNvPicPr>
             <a:picLocks noChangeAspect="1"/>
           </p:cNvPicPr>
           <p:nvPr/>
         </p:nvPicPr>
         <p:blipFill>
-          <a:blip r:embed="rId2">
+          <a:blip r:embed="rId3">
             <a:extLst/>
           </a:blip>
+          <a:srcRect l="15" t="0" r="15" b="0"/>
           <a:stretch>
             <a:fillRect/>
           </a:stretch>
         </p:blipFill>
         <p:spPr>
           <a:xfrm>
-            <a:off x="-38625" y="-1281005"/>
-            <a:ext cx="12269250" cy="8179500"/>
+            <a:off x="279400" y="1981200"/>
+            <a:ext cx="8216900" cy="8550681"/>
           </a:xfrm>
           <a:prstGeom prst="rect">
             <a:avLst/>
@@ -13304,6 +12681,206 @@
           </a:ln>
         </p:spPr>
       </p:pic>
+      <p:sp>
+        <p:nvSpPr>
+          <p:cNvPr id="141" name="One to Many relationships…"/>
+          <p:cNvSpPr txBox="1"/>
+          <p:nvPr/>
+        </p:nvSpPr>
+        <p:spPr>
+          <a:xfrm>
+            <a:off x="8729781" y="2089848"/>
+            <a:ext cx="3136236" cy="4617862"/>
+          </a:xfrm>
+          <a:prstGeom prst="rect">
+            <a:avLst/>
+          </a:prstGeom>
+          <a:ln w="12700">
+            <a:miter lim="400000"/>
+          </a:ln>
+          <a:extLst>
+            <a:ext uri="{C572A759-6A51-4108-AA02-DFA0A04FC94B}">
+              <ma14:wrappingTextBoxFlag xmlns:ma14="http://schemas.microsoft.com/office/mac/drawingml/2011/main" val="1"/>
+            </a:ext>
+          </a:extLst>
+        </p:spPr>
+        <p:txBody>
+          <a:bodyPr lIns="45719" rIns="45719">
+            <a:spAutoFit/>
+          </a:bodyPr>
+          <a:lstStyle/>
+          <a:p>
+            <a:pPr algn="ctr">
+              <a:defRPr b="1" u="sng">
+                <a:latin typeface="Arial"/>
+                <a:ea typeface="Arial"/>
+                <a:cs typeface="Arial"/>
+                <a:sym typeface="Arial"/>
+              </a:defRPr>
+            </a:pPr>
+            <a:r>
+              <a:t>One to Many relationships</a:t>
+            </a:r>
+          </a:p>
+          <a:p>
+            <a:pPr>
+              <a:defRPr>
+                <a:latin typeface="Arial"/>
+                <a:ea typeface="Arial"/>
+                <a:cs typeface="Arial"/>
+                <a:sym typeface="Arial"/>
+              </a:defRPr>
+            </a:pPr>
+          </a:p>
+          <a:p>
+            <a:pPr marL="180473" indent="-180473">
+              <a:buSzPct val="100000"/>
+              <a:buChar char="•"/>
+              <a:defRPr>
+                <a:latin typeface="Arial"/>
+                <a:ea typeface="Arial"/>
+                <a:cs typeface="Arial"/>
+                <a:sym typeface="Arial"/>
+              </a:defRPr>
+            </a:pPr>
+            <a:r>
+              <a:t>Each Customer has a unique ID. </a:t>
+            </a:r>
+          </a:p>
+          <a:p>
+            <a:pPr marL="180473" indent="-180473">
+              <a:buSzPct val="100000"/>
+              <a:buChar char="•"/>
+              <a:defRPr>
+                <a:latin typeface="Arial"/>
+                <a:ea typeface="Arial"/>
+                <a:cs typeface="Arial"/>
+                <a:sym typeface="Arial"/>
+              </a:defRPr>
+            </a:pPr>
+            <a:r>
+              <a:t>ID it is the PK of the customer table</a:t>
+            </a:r>
+          </a:p>
+          <a:p>
+            <a:pPr marL="180473" indent="-180473">
+              <a:buSzPct val="100000"/>
+              <a:buChar char="•"/>
+              <a:defRPr>
+                <a:latin typeface="Arial"/>
+                <a:ea typeface="Arial"/>
+                <a:cs typeface="Arial"/>
+                <a:sym typeface="Arial"/>
+              </a:defRPr>
+            </a:pPr>
+            <a:r>
+              <a:t>Thus, we will find a single ID for each customer</a:t>
+            </a:r>
+          </a:p>
+          <a:p>
+            <a:pPr>
+              <a:defRPr>
+                <a:latin typeface="Arial"/>
+                <a:ea typeface="Arial"/>
+                <a:cs typeface="Arial"/>
+                <a:sym typeface="Arial"/>
+              </a:defRPr>
+            </a:pPr>
+          </a:p>
+          <a:p>
+            <a:pPr>
+              <a:defRPr>
+                <a:latin typeface="Arial"/>
+                <a:ea typeface="Arial"/>
+                <a:cs typeface="Arial"/>
+                <a:sym typeface="Arial"/>
+              </a:defRPr>
+            </a:pPr>
+          </a:p>
+          <a:p>
+            <a:pPr marL="180473" indent="-180473">
+              <a:buSzPct val="100000"/>
+              <a:buChar char="•"/>
+              <a:defRPr>
+                <a:latin typeface="Arial"/>
+                <a:ea typeface="Arial"/>
+                <a:cs typeface="Arial"/>
+                <a:sym typeface="Arial"/>
+              </a:defRPr>
+            </a:pPr>
+            <a:r>
+              <a:t>This ID is also present in the Rental, Payment</a:t>
+            </a:r>
+          </a:p>
+          <a:p>
+            <a:pPr marL="180473" indent="-180473">
+              <a:buSzPct val="100000"/>
+              <a:buChar char="•"/>
+              <a:defRPr>
+                <a:latin typeface="Arial"/>
+                <a:ea typeface="Arial"/>
+                <a:cs typeface="Arial"/>
+                <a:sym typeface="Arial"/>
+              </a:defRPr>
+            </a:pPr>
+            <a:r>
+              <a:t>In those tables, it is present as a FK</a:t>
+            </a:r>
+          </a:p>
+          <a:p>
+            <a:pPr marL="180473" indent="-180473">
+              <a:buSzPct val="100000"/>
+              <a:buChar char="•"/>
+              <a:defRPr>
+                <a:latin typeface="Arial"/>
+                <a:ea typeface="Arial"/>
+                <a:cs typeface="Arial"/>
+                <a:sym typeface="Arial"/>
+              </a:defRPr>
+            </a:pPr>
+            <a:r>
+              <a:t>Thus, we might find the same Customer ID for many rental operations.</a:t>
+            </a:r>
+          </a:p>
+        </p:txBody>
+      </p:sp>
+    </p:spTree>
+  </p:cSld>
+  <p:clrMapOvr>
+    <a:masterClrMapping/>
+  </p:clrMapOvr>
+  <p:transition xmlns:p14="http://schemas.microsoft.com/office/powerpoint/2010/main" spd="med" advClick="1"/>
+</p:sld>
+</file>
+
+<file path=ppt/slides/slide6.xml><?xml version="1.0" encoding="utf-8"?>
+<p:sld xmlns:a="http://schemas.openxmlformats.org/drawingml/2006/main" xmlns:r="http://schemas.openxmlformats.org/officeDocument/2006/relationships" xmlns:p="http://schemas.openxmlformats.org/presentationml/2006/main" xmlns:m="http://schemas.openxmlformats.org/officeDocument/2006/math" xmlns:a14="http://schemas.microsoft.com/office/drawing/2010/main" showMasterSp="1" showMasterPhAnim="1">
+  <p:cSld>
+    <p:bg>
+      <p:bgPr>
+        <a:blipFill rotWithShape="1">
+          <a:blip r:embed="rId2"/>
+          <a:srcRect l="0" t="0" r="0" b="0"/>
+          <a:stretch>
+            <a:fillRect/>
+          </a:stretch>
+        </a:blipFill>
+      </p:bgPr>
+    </p:bg>
+    <p:spTree>
+      <p:nvGrpSpPr>
+        <p:cNvPr id="1" name=""/>
+        <p:cNvGrpSpPr/>
+        <p:nvPr/>
+      </p:nvGrpSpPr>
+      <p:grpSpPr>
+        <a:xfrm>
+          <a:off x="0" y="0"/>
+          <a:ext cx="0" cy="0"/>
+          <a:chOff x="0" y="0"/>
+          <a:chExt cx="0" cy="0"/>
+        </a:xfrm>
+      </p:grpSpPr>
       <p:sp>
         <p:nvSpPr>
           <p:cNvPr id="143" name="Rectángulo"/>
@@ -13408,14 +12985,43 @@
       </p:pic>
       <p:sp>
         <p:nvSpPr>
-          <p:cNvPr id="146" name="One to Many relationships…"/>
+          <p:cNvPr id="146" name="Rectángulo"/>
+          <p:cNvSpPr/>
+          <p:nvPr/>
+        </p:nvSpPr>
+        <p:spPr>
+          <a:xfrm>
+            <a:off x="426955" y="2650002"/>
+            <a:ext cx="2652874" cy="3937475"/>
+          </a:xfrm>
+          <a:prstGeom prst="rect">
+            <a:avLst/>
+          </a:prstGeom>
+          <a:ln w="25400">
+            <a:solidFill>
+              <a:srgbClr val="FF0300"/>
+            </a:solidFill>
+            <a:miter/>
+          </a:ln>
+        </p:spPr>
+        <p:txBody>
+          <a:bodyPr lIns="45719" rIns="45719" anchor="ctr"/>
+          <a:lstStyle/>
+          <a:p>
+            <a:pPr/>
+          </a:p>
+        </p:txBody>
+      </p:sp>
+      <p:sp>
+        <p:nvSpPr>
+          <p:cNvPr id="147" name="Many-to-Many relationships…"/>
           <p:cNvSpPr txBox="1"/>
           <p:nvPr/>
         </p:nvSpPr>
         <p:spPr>
           <a:xfrm>
             <a:off x="8729781" y="2089848"/>
-            <a:ext cx="3136236" cy="4617862"/>
+            <a:ext cx="3136236" cy="4084462"/>
           </a:xfrm>
           <a:prstGeom prst="rect">
             <a:avLst/>
@@ -13444,8 +13050,18 @@
               </a:defRPr>
             </a:pPr>
             <a:r>
-              <a:t>One to Many relationships</a:t>
-            </a:r>
+              <a:t>Many-to-Many relationships</a:t>
+            </a:r>
+          </a:p>
+          <a:p>
+            <a:pPr>
+              <a:defRPr>
+                <a:latin typeface="Arial"/>
+                <a:ea typeface="Arial"/>
+                <a:cs typeface="Arial"/>
+                <a:sym typeface="Arial"/>
+              </a:defRPr>
+            </a:pPr>
           </a:p>
           <a:p>
             <a:pPr>
@@ -13469,7 +13085,7 @@
               </a:defRPr>
             </a:pPr>
             <a:r>
-              <a:t>Each Customer has a unique ID. </a:t>
+              <a:t>There are many categories</a:t>
             </a:r>
           </a:p>
           <a:p>
@@ -13484,7 +13100,7 @@
               </a:defRPr>
             </a:pPr>
             <a:r>
-              <a:t>ID it is the PK of the customer table</a:t>
+              <a:t>There are many films</a:t>
             </a:r>
           </a:p>
           <a:p>
@@ -13499,28 +13115,8 @@
               </a:defRPr>
             </a:pPr>
             <a:r>
-              <a:t>Thus, we will find a single ID for each customer</a:t>
-            </a:r>
-          </a:p>
-          <a:p>
-            <a:pPr>
-              <a:defRPr>
-                <a:latin typeface="Arial"/>
-                <a:ea typeface="Arial"/>
-                <a:cs typeface="Arial"/>
-                <a:sym typeface="Arial"/>
-              </a:defRPr>
-            </a:pPr>
-          </a:p>
-          <a:p>
-            <a:pPr>
-              <a:defRPr>
-                <a:latin typeface="Arial"/>
-                <a:ea typeface="Arial"/>
-                <a:cs typeface="Arial"/>
-                <a:sym typeface="Arial"/>
-              </a:defRPr>
-            </a:pPr>
+              <a:t>One film can have many categories</a:t>
+            </a:r>
           </a:p>
           <a:p>
             <a:pPr marL="180473" indent="-180473">
@@ -13534,8 +13130,18 @@
               </a:defRPr>
             </a:pPr>
             <a:r>
-              <a:t>This ID is also present in the Rental, Payment</a:t>
-            </a:r>
+              <a:t>One category can be related to many films</a:t>
+            </a:r>
+          </a:p>
+          <a:p>
+            <a:pPr>
+              <a:defRPr>
+                <a:latin typeface="Arial"/>
+                <a:ea typeface="Arial"/>
+                <a:cs typeface="Arial"/>
+                <a:sym typeface="Arial"/>
+              </a:defRPr>
+            </a:pPr>
           </a:p>
           <a:p>
             <a:pPr marL="180473" indent="-180473">
@@ -13549,22 +13155,11 @@
               </a:defRPr>
             </a:pPr>
             <a:r>
-              <a:t>In those tables, it is present as a FK</a:t>
-            </a:r>
-          </a:p>
-          <a:p>
-            <a:pPr marL="180473" indent="-180473">
-              <a:buSzPct val="100000"/>
-              <a:buChar char="•"/>
-              <a:defRPr>
-                <a:latin typeface="Arial"/>
-                <a:ea typeface="Arial"/>
-                <a:cs typeface="Arial"/>
-                <a:sym typeface="Arial"/>
-              </a:defRPr>
-            </a:pPr>
-            <a:r>
-              <a:t>Thus, we might find the same Customer ID for many rental operations.</a:t>
+              <a:t>Since PKs have to be unique, many to many relationships have to resort to a intermediate step </a:t>
+            </a:r>
+            <a:r>
+              <a:rPr i="1"/>
+              <a:t>(Film Category)</a:t>
             </a:r>
           </a:p>
         </p:txBody>
@@ -13578,14 +13173,18 @@
 </p:sld>
 </file>
 
-<file path=ppt/slides/slide6.xml><?xml version="1.0" encoding="utf-8"?>
+<file path=ppt/slides/slide7.xml><?xml version="1.0" encoding="utf-8"?>
 <p:sld xmlns:a="http://schemas.openxmlformats.org/drawingml/2006/main" xmlns:r="http://schemas.openxmlformats.org/officeDocument/2006/relationships" xmlns:p="http://schemas.openxmlformats.org/presentationml/2006/main" xmlns:m="http://schemas.openxmlformats.org/officeDocument/2006/math" xmlns:a14="http://schemas.microsoft.com/office/drawing/2010/main" showMasterSp="1" showMasterPhAnim="1">
   <p:cSld>
     <p:bg>
       <p:bgPr>
-        <a:solidFill>
-          <a:srgbClr val="EDDACC"/>
-        </a:solidFill>
+        <a:blipFill rotWithShape="1">
+          <a:blip r:embed="rId2"/>
+          <a:srcRect l="0" t="0" r="0" b="0"/>
+          <a:stretch>
+            <a:fillRect/>
+          </a:stretch>
+        </a:blipFill>
       </p:bgPr>
     </p:bg>
     <p:spTree>
@@ -13602,35 +13201,6 @@
           <a:chExt cx="0" cy="0"/>
         </a:xfrm>
       </p:grpSpPr>
-      <p:pic>
-        <p:nvPicPr>
-          <p:cNvPr id="148" name="5f461d116006137.6059ac1f3a043.jpg" descr="5f461d116006137.6059ac1f3a043.jpg"/>
-          <p:cNvPicPr>
-            <a:picLocks noChangeAspect="1"/>
-          </p:cNvPicPr>
-          <p:nvPr/>
-        </p:nvPicPr>
-        <p:blipFill>
-          <a:blip r:embed="rId2">
-            <a:extLst/>
-          </a:blip>
-          <a:stretch>
-            <a:fillRect/>
-          </a:stretch>
-        </p:blipFill>
-        <p:spPr>
-          <a:xfrm>
-            <a:off x="-38625" y="-1281005"/>
-            <a:ext cx="12269250" cy="8179500"/>
-          </a:xfrm>
-          <a:prstGeom prst="rect">
-            <a:avLst/>
-          </a:prstGeom>
-          <a:ln w="12700">
-            <a:miter lim="400000"/>
-          </a:ln>
-        </p:spPr>
-      </p:pic>
       <p:sp>
         <p:nvSpPr>
           <p:cNvPr id="149" name="Rectángulo"/>
@@ -13640,7 +13210,7 @@
         <p:spPr>
           <a:xfrm>
             <a:off x="458206" y="1624029"/>
-            <a:ext cx="11519807" cy="5643236"/>
+            <a:ext cx="11519807" cy="5381104"/>
           </a:xfrm>
           <a:prstGeom prst="rect">
             <a:avLst/>
@@ -13715,15 +13285,15 @@
           <a:blip r:embed="rId3">
             <a:extLst/>
           </a:blip>
-          <a:srcRect l="15" t="0" r="15" b="0"/>
+          <a:srcRect l="7678" t="39098" r="15" b="0"/>
           <a:stretch>
             <a:fillRect/>
           </a:stretch>
         </p:blipFill>
         <p:spPr>
           <a:xfrm>
-            <a:off x="279400" y="1981200"/>
-            <a:ext cx="8216900" cy="8550681"/>
+            <a:off x="690241" y="1710882"/>
+            <a:ext cx="7587080" cy="5207516"/>
           </a:xfrm>
           <a:prstGeom prst="rect">
             <a:avLst/>
@@ -13735,43 +13305,14 @@
       </p:pic>
       <p:sp>
         <p:nvSpPr>
-          <p:cNvPr id="152" name="Rectángulo"/>
-          <p:cNvSpPr/>
-          <p:nvPr/>
-        </p:nvSpPr>
-        <p:spPr>
-          <a:xfrm>
-            <a:off x="426955" y="2650002"/>
-            <a:ext cx="2652874" cy="3937475"/>
-          </a:xfrm>
-          <a:prstGeom prst="rect">
-            <a:avLst/>
-          </a:prstGeom>
-          <a:ln w="25400">
-            <a:solidFill>
-              <a:srgbClr val="FF0300"/>
-            </a:solidFill>
-            <a:miter/>
-          </a:ln>
-        </p:spPr>
-        <p:txBody>
-          <a:bodyPr lIns="45719" rIns="45719" anchor="ctr"/>
-          <a:lstStyle/>
-          <a:p>
-            <a:pPr/>
-          </a:p>
-        </p:txBody>
-      </p:sp>
-      <p:sp>
-        <p:nvSpPr>
-          <p:cNvPr id="153" name="Many-to-Many relationships…"/>
+          <p:cNvPr id="152" name="How can we leverage these relationships?…"/>
           <p:cNvSpPr txBox="1"/>
           <p:nvPr/>
         </p:nvSpPr>
         <p:spPr>
           <a:xfrm>
             <a:off x="8729781" y="2089848"/>
-            <a:ext cx="3136236" cy="4084462"/>
+            <a:ext cx="3136236" cy="3284362"/>
           </a:xfrm>
           <a:prstGeom prst="rect">
             <a:avLst/>
@@ -13800,18 +13341,8 @@
               </a:defRPr>
             </a:pPr>
             <a:r>
-              <a:t>Many-to-Many relationships</a:t>
-            </a:r>
-          </a:p>
-          <a:p>
-            <a:pPr>
-              <a:defRPr>
-                <a:latin typeface="Arial"/>
-                <a:ea typeface="Arial"/>
-                <a:cs typeface="Arial"/>
-                <a:sym typeface="Arial"/>
-              </a:defRPr>
-            </a:pPr>
+              <a:t>How can we leverage these relationships?</a:t>
+            </a:r>
           </a:p>
           <a:p>
             <a:pPr>
@@ -13835,8 +13366,18 @@
               </a:defRPr>
             </a:pPr>
             <a:r>
-              <a:t>There are many categories</a:t>
-            </a:r>
+              <a:t>As many tables are connected, we can perform interesting analyses</a:t>
+            </a:r>
+          </a:p>
+          <a:p>
+            <a:pPr>
+              <a:defRPr>
+                <a:latin typeface="Arial"/>
+                <a:ea typeface="Arial"/>
+                <a:cs typeface="Arial"/>
+                <a:sym typeface="Arial"/>
+              </a:defRPr>
+            </a:pPr>
           </a:p>
           <a:p>
             <a:pPr marL="180473" indent="-180473">
@@ -13850,37 +13391,7 @@
               </a:defRPr>
             </a:pPr>
             <a:r>
-              <a:t>There are many films</a:t>
-            </a:r>
-          </a:p>
-          <a:p>
-            <a:pPr marL="180473" indent="-180473">
-              <a:buSzPct val="100000"/>
-              <a:buChar char="•"/>
-              <a:defRPr>
-                <a:latin typeface="Arial"/>
-                <a:ea typeface="Arial"/>
-                <a:cs typeface="Arial"/>
-                <a:sym typeface="Arial"/>
-              </a:defRPr>
-            </a:pPr>
-            <a:r>
-              <a:t>One film can have many categories</a:t>
-            </a:r>
-          </a:p>
-          <a:p>
-            <a:pPr marL="180473" indent="-180473">
-              <a:buSzPct val="100000"/>
-              <a:buChar char="•"/>
-              <a:defRPr>
-                <a:latin typeface="Arial"/>
-                <a:ea typeface="Arial"/>
-                <a:cs typeface="Arial"/>
-                <a:sym typeface="Arial"/>
-              </a:defRPr>
-            </a:pPr>
-            <a:r>
-              <a:t>One category can be related to many films</a:t>
+              <a:t>We can see, for example, the stores in UK</a:t>
             </a:r>
           </a:p>
           <a:p>
@@ -13894,9 +13405,7 @@
             </a:pPr>
           </a:p>
           <a:p>
-            <a:pPr marL="180473" indent="-180473">
-              <a:buSzPct val="100000"/>
-              <a:buChar char="•"/>
+            <a:pPr>
               <a:defRPr>
                 <a:latin typeface="Arial"/>
                 <a:ea typeface="Arial"/>
@@ -13905,11 +13414,7 @@
               </a:defRPr>
             </a:pPr>
             <a:r>
-              <a:t>Since PKs have to be unique, many to many relationships have to resort to a intermediate step </a:t>
-            </a:r>
-            <a:r>
-              <a:rPr i="1"/>
-              <a:t>(Film Category)</a:t>
+              <a:t>Let’s see this without using JOIN first</a:t>
             </a:r>
           </a:p>
         </p:txBody>
@@ -13923,14 +13428,18 @@
 </p:sld>
 </file>
 
-<file path=ppt/slides/slide7.xml><?xml version="1.0" encoding="utf-8"?>
+<file path=ppt/slides/slide8.xml><?xml version="1.0" encoding="utf-8"?>
 <p:sld xmlns:a="http://schemas.openxmlformats.org/drawingml/2006/main" xmlns:r="http://schemas.openxmlformats.org/officeDocument/2006/relationships" xmlns:p="http://schemas.openxmlformats.org/presentationml/2006/main" xmlns:m="http://schemas.openxmlformats.org/officeDocument/2006/math" xmlns:a14="http://schemas.microsoft.com/office/drawing/2010/main" showMasterSp="1" showMasterPhAnim="1">
   <p:cSld>
     <p:bg>
       <p:bgPr>
-        <a:solidFill>
-          <a:srgbClr val="EDDACC"/>
-        </a:solidFill>
+        <a:blipFill rotWithShape="1">
+          <a:blip r:embed="rId2"/>
+          <a:srcRect l="0" t="0" r="0" b="0"/>
+          <a:stretch>
+            <a:fillRect/>
+          </a:stretch>
+        </a:blipFill>
       </p:bgPr>
     </p:bg>
     <p:spTree>
@@ -13947,70 +13456,9 @@
           <a:chExt cx="0" cy="0"/>
         </a:xfrm>
       </p:grpSpPr>
-      <p:pic>
-        <p:nvPicPr>
-          <p:cNvPr id="155" name="5f461d116006137.6059ac1f3a043.jpg" descr="5f461d116006137.6059ac1f3a043.jpg"/>
-          <p:cNvPicPr>
-            <a:picLocks noChangeAspect="1"/>
-          </p:cNvPicPr>
-          <p:nvPr/>
-        </p:nvPicPr>
-        <p:blipFill>
-          <a:blip r:embed="rId2">
-            <a:extLst/>
-          </a:blip>
-          <a:stretch>
-            <a:fillRect/>
-          </a:stretch>
-        </p:blipFill>
-        <p:spPr>
-          <a:xfrm>
-            <a:off x="-38625" y="-1281005"/>
-            <a:ext cx="12269250" cy="8179500"/>
-          </a:xfrm>
-          <a:prstGeom prst="rect">
-            <a:avLst/>
-          </a:prstGeom>
-          <a:ln w="12700">
-            <a:miter lim="400000"/>
-          </a:ln>
-        </p:spPr>
-      </p:pic>
       <p:sp>
         <p:nvSpPr>
-          <p:cNvPr id="156" name="Rectángulo"/>
-          <p:cNvSpPr/>
-          <p:nvPr/>
-        </p:nvSpPr>
-        <p:spPr>
-          <a:xfrm>
-            <a:off x="458206" y="1624029"/>
-            <a:ext cx="11519807" cy="5381104"/>
-          </a:xfrm>
-          <a:prstGeom prst="rect">
-            <a:avLst/>
-          </a:prstGeom>
-          <a:solidFill>
-            <a:srgbClr val="FFFFFF"/>
-          </a:solidFill>
-          <a:ln w="12700">
-            <a:solidFill>
-              <a:schemeClr val="accent1"/>
-            </a:solidFill>
-            <a:miter/>
-          </a:ln>
-        </p:spPr>
-        <p:txBody>
-          <a:bodyPr lIns="45719" rIns="45719" anchor="ctr"/>
-          <a:lstStyle/>
-          <a:p>
-            <a:pPr/>
-          </a:p>
-        </p:txBody>
-      </p:sp>
-      <p:sp>
-        <p:nvSpPr>
-          <p:cNvPr id="157" name="Google Shape;55;p13"/>
+          <p:cNvPr id="154" name="Google Shape;55;p13"/>
           <p:cNvSpPr txBox="1"/>
           <p:nvPr>
             <p:ph type="title"/>
@@ -14027,8 +13475,9 @@
         </p:spPr>
         <p:txBody>
           <a:bodyPr/>
-          <a:lstStyle>
-            <a:lvl1pPr defTabSz="1109472">
+          <a:lstStyle/>
+          <a:p>
+            <a:pPr defTabSz="1109472">
               <a:defRPr sz="6188">
                 <a:solidFill>
                   <a:srgbClr val="FFFFFF"/>
@@ -14038,19 +13487,114 @@
                 <a:cs typeface="Avenir Book"/>
                 <a:sym typeface="Avenir Book"/>
               </a:defRPr>
-            </a:lvl1pPr>
-          </a:lstStyle>
-          <a:p>
-            <a:pPr/>
-            <a:r>
-              <a:t>EDR Brief Review</a:t>
+            </a:pPr>
+            <a:r>
+              <a:t>Why using </a:t>
+            </a:r>
+            <a:r>
+              <a:rPr>
+                <a:latin typeface="Courier New"/>
+                <a:ea typeface="Courier New"/>
+                <a:cs typeface="Courier New"/>
+                <a:sym typeface="Courier New"/>
+              </a:rPr>
+              <a:t>JOIN</a:t>
+            </a:r>
+          </a:p>
+        </p:txBody>
+      </p:sp>
+      <p:sp>
+        <p:nvSpPr>
+          <p:cNvPr id="155" name="Google Shape;69;p14"/>
+          <p:cNvSpPr txBox="1"/>
+          <p:nvPr/>
+        </p:nvSpPr>
+        <p:spPr>
+          <a:xfrm>
+            <a:off x="552708" y="1928112"/>
+            <a:ext cx="10544679" cy="1742401"/>
+          </a:xfrm>
+          <a:prstGeom prst="rect">
+            <a:avLst/>
+          </a:prstGeom>
+          <a:ln w="12700">
+            <a:miter lim="400000"/>
+          </a:ln>
+          <a:extLst>
+            <a:ext uri="{C572A759-6A51-4108-AA02-DFA0A04FC94B}">
+              <ma14:wrappingTextBoxFlag xmlns:ma14="http://schemas.microsoft.com/office/mac/drawingml/2011/main" val="1"/>
+            </a:ext>
+          </a:extLst>
+        </p:spPr>
+        <p:txBody>
+          <a:bodyPr lIns="121899" tIns="121899" rIns="121899" bIns="121899">
+            <a:spAutoFit/>
+          </a:bodyPr>
+          <a:lstStyle/>
+          <a:p>
+            <a:pPr marL="260684" indent="-260684" defTabSz="1219200">
+              <a:lnSpc>
+                <a:spcPct val="120000"/>
+              </a:lnSpc>
+              <a:buSzPct val="100000"/>
+              <a:buChar char="•"/>
+              <a:defRPr sz="2600">
+                <a:solidFill>
+                  <a:srgbClr val="FFFFFF"/>
+                </a:solidFill>
+                <a:latin typeface="Avenir Book"/>
+                <a:ea typeface="Avenir Book"/>
+                <a:cs typeface="Avenir Book"/>
+                <a:sym typeface="Avenir Book"/>
+              </a:defRPr>
+            </a:pPr>
+            <a:r>
+              <a:t>First, let’s find the UK id</a:t>
+            </a:r>
+          </a:p>
+          <a:p>
+            <a:pPr defTabSz="1219200">
+              <a:lnSpc>
+                <a:spcPct val="120000"/>
+              </a:lnSpc>
+              <a:defRPr sz="3000">
+                <a:solidFill>
+                  <a:srgbClr val="FFFFFF"/>
+                </a:solidFill>
+                <a:latin typeface="Courier New"/>
+                <a:ea typeface="Courier New"/>
+                <a:cs typeface="Courier New"/>
+                <a:sym typeface="Courier New"/>
+              </a:defRPr>
+            </a:pPr>
+            <a:r>
+              <a:t>SELECT * FROM country</a:t>
+            </a:r>
+          </a:p>
+          <a:p>
+            <a:pPr defTabSz="1219200">
+              <a:lnSpc>
+                <a:spcPct val="120000"/>
+              </a:lnSpc>
+              <a:defRPr sz="3000">
+                <a:solidFill>
+                  <a:srgbClr val="FFFFFF"/>
+                </a:solidFill>
+                <a:latin typeface="Courier New"/>
+                <a:ea typeface="Courier New"/>
+                <a:cs typeface="Courier New"/>
+                <a:sym typeface="Courier New"/>
+              </a:defRPr>
+            </a:pPr>
+            <a:r>
+              <a:t>WHERE country = ‘United Kingdom’;</a:t>
             </a:r>
           </a:p>
         </p:txBody>
       </p:sp>
       <p:pic>
         <p:nvPicPr>
-          <p:cNvPr id="158" name="sql6.png" descr="sql6.png"/>
+          <p:cNvPr id="156" name="Captura de pantalla 2021-07-17 a las 4.05.31.png" descr="Captura de pantalla 2021-07-17 a las 4.05.31.png"/>
           <p:cNvPicPr>
             <a:picLocks noChangeAspect="1"/>
           </p:cNvPicPr>
@@ -14060,15 +13604,15 @@
           <a:blip r:embed="rId3">
             <a:extLst/>
           </a:blip>
-          <a:srcRect l="7678" t="39098" r="15" b="0"/>
+          <a:srcRect l="0" t="10206" r="0" b="10206"/>
           <a:stretch>
             <a:fillRect/>
           </a:stretch>
         </p:blipFill>
         <p:spPr>
           <a:xfrm>
-            <a:off x="690241" y="1710882"/>
-            <a:ext cx="7587080" cy="5207516"/>
+            <a:off x="1856297" y="3668481"/>
+            <a:ext cx="7937501" cy="1104901"/>
           </a:xfrm>
           <a:prstGeom prst="rect">
             <a:avLst/>
@@ -14080,14 +13624,14 @@
       </p:pic>
       <p:sp>
         <p:nvSpPr>
-          <p:cNvPr id="159" name="How can we leverage these relationships?…"/>
+          <p:cNvPr id="157" name="Google Shape;69;p14"/>
           <p:cNvSpPr txBox="1"/>
           <p:nvPr/>
         </p:nvSpPr>
         <p:spPr>
           <a:xfrm>
-            <a:off x="8729781" y="2089848"/>
-            <a:ext cx="3136236" cy="3284362"/>
+            <a:off x="779561" y="4907655"/>
+            <a:ext cx="10544679" cy="586701"/>
           </a:xfrm>
           <a:prstGeom prst="rect">
             <a:avLst/>
@@ -14102,94 +13646,29 @@
           </a:extLst>
         </p:spPr>
         <p:txBody>
-          <a:bodyPr lIns="45719" rIns="45719">
+          <a:bodyPr lIns="121899" tIns="121899" rIns="121899" bIns="121899">
             <a:spAutoFit/>
           </a:bodyPr>
-          <a:lstStyle/>
-          <a:p>
-            <a:pPr algn="ctr">
-              <a:defRPr b="1" u="sng">
-                <a:latin typeface="Arial"/>
-                <a:ea typeface="Arial"/>
-                <a:cs typeface="Arial"/>
-                <a:sym typeface="Arial"/>
-              </a:defRPr>
-            </a:pPr>
-            <a:r>
-              <a:t>How can we leverage these relationships?</a:t>
-            </a:r>
-          </a:p>
-          <a:p>
-            <a:pPr>
-              <a:defRPr>
-                <a:latin typeface="Arial"/>
-                <a:ea typeface="Arial"/>
-                <a:cs typeface="Arial"/>
-                <a:sym typeface="Arial"/>
-              </a:defRPr>
-            </a:pPr>
-          </a:p>
-          <a:p>
-            <a:pPr marL="180473" indent="-180473">
-              <a:buSzPct val="100000"/>
-              <a:buChar char="•"/>
-              <a:defRPr>
-                <a:latin typeface="Arial"/>
-                <a:ea typeface="Arial"/>
-                <a:cs typeface="Arial"/>
-                <a:sym typeface="Arial"/>
-              </a:defRPr>
-            </a:pPr>
-            <a:r>
-              <a:t>As many tables are connected, we can perform interesting analyses</a:t>
-            </a:r>
-          </a:p>
-          <a:p>
-            <a:pPr>
-              <a:defRPr>
-                <a:latin typeface="Arial"/>
-                <a:ea typeface="Arial"/>
-                <a:cs typeface="Arial"/>
-                <a:sym typeface="Arial"/>
-              </a:defRPr>
-            </a:pPr>
-          </a:p>
-          <a:p>
-            <a:pPr marL="180473" indent="-180473">
-              <a:buSzPct val="100000"/>
-              <a:buChar char="•"/>
-              <a:defRPr>
-                <a:latin typeface="Arial"/>
-                <a:ea typeface="Arial"/>
-                <a:cs typeface="Arial"/>
-                <a:sym typeface="Arial"/>
-              </a:defRPr>
-            </a:pPr>
-            <a:r>
-              <a:t>We can see, for example, the stores in UK</a:t>
-            </a:r>
-          </a:p>
-          <a:p>
-            <a:pPr>
-              <a:defRPr>
-                <a:latin typeface="Arial"/>
-                <a:ea typeface="Arial"/>
-                <a:cs typeface="Arial"/>
-                <a:sym typeface="Arial"/>
-              </a:defRPr>
-            </a:pPr>
-          </a:p>
-          <a:p>
-            <a:pPr>
-              <a:defRPr>
-                <a:latin typeface="Arial"/>
-                <a:ea typeface="Arial"/>
-                <a:cs typeface="Arial"/>
-                <a:sym typeface="Arial"/>
-              </a:defRPr>
-            </a:pPr>
-            <a:r>
-              <a:t>Let’s see this without using JOIN first</a:t>
+          <a:lstStyle>
+            <a:lvl1pPr defTabSz="1219200">
+              <a:lnSpc>
+                <a:spcPct val="120000"/>
+              </a:lnSpc>
+              <a:defRPr sz="2000">
+                <a:solidFill>
+                  <a:srgbClr val="FFFFFF"/>
+                </a:solidFill>
+                <a:latin typeface="Avenir Book Oblique"/>
+                <a:ea typeface="Avenir Book Oblique"/>
+                <a:cs typeface="Avenir Book Oblique"/>
+                <a:sym typeface="Avenir Book Oblique"/>
+              </a:defRPr>
+            </a:lvl1pPr>
+          </a:lstStyle>
+          <a:p>
+            <a:pPr/>
+            <a:r>
+              <a:t>We can look cities whose country_id =102</a:t>
             </a:r>
           </a:p>
         </p:txBody>
@@ -14203,14 +13682,18 @@
 </p:sld>
 </file>
 
-<file path=ppt/slides/slide8.xml><?xml version="1.0" encoding="utf-8"?>
+<file path=ppt/slides/slide9.xml><?xml version="1.0" encoding="utf-8"?>
 <p:sld xmlns:a="http://schemas.openxmlformats.org/drawingml/2006/main" xmlns:r="http://schemas.openxmlformats.org/officeDocument/2006/relationships" xmlns:p="http://schemas.openxmlformats.org/presentationml/2006/main" xmlns:m="http://schemas.openxmlformats.org/officeDocument/2006/math" xmlns:a14="http://schemas.microsoft.com/office/drawing/2010/main" showMasterSp="1" showMasterPhAnim="1">
   <p:cSld>
     <p:bg>
       <p:bgPr>
-        <a:solidFill>
-          <a:srgbClr val="EDDACC"/>
-        </a:solidFill>
+        <a:blipFill rotWithShape="1">
+          <a:blip r:embed="rId2"/>
+          <a:srcRect l="0" t="0" r="0" b="0"/>
+          <a:stretch>
+            <a:fillRect/>
+          </a:stretch>
+        </a:blipFill>
       </p:bgPr>
     </p:bg>
     <p:spTree>
@@ -14227,38 +13710,9 @@
           <a:chExt cx="0" cy="0"/>
         </a:xfrm>
       </p:grpSpPr>
-      <p:pic>
-        <p:nvPicPr>
-          <p:cNvPr id="161" name="5f461d116006137.6059ac1f3a043.jpg" descr="5f461d116006137.6059ac1f3a043.jpg"/>
-          <p:cNvPicPr>
-            <a:picLocks noChangeAspect="1"/>
-          </p:cNvPicPr>
-          <p:nvPr/>
-        </p:nvPicPr>
-        <p:blipFill>
-          <a:blip r:embed="rId2">
-            <a:extLst/>
-          </a:blip>
-          <a:stretch>
-            <a:fillRect/>
-          </a:stretch>
-        </p:blipFill>
-        <p:spPr>
-          <a:xfrm>
-            <a:off x="-38625" y="-1281005"/>
-            <a:ext cx="12269250" cy="8179500"/>
-          </a:xfrm>
-          <a:prstGeom prst="rect">
-            <a:avLst/>
-          </a:prstGeom>
-          <a:ln w="12700">
-            <a:miter lim="400000"/>
-          </a:ln>
-        </p:spPr>
-      </p:pic>
       <p:sp>
         <p:nvSpPr>
-          <p:cNvPr id="162" name="Google Shape;55;p13"/>
+          <p:cNvPr id="159" name="Google Shape;55;p13"/>
           <p:cNvSpPr txBox="1"/>
           <p:nvPr>
             <p:ph type="title"/>
@@ -14305,14 +13759,14 @@
       </p:sp>
       <p:sp>
         <p:nvSpPr>
-          <p:cNvPr id="163" name="Google Shape;69;p14"/>
+          <p:cNvPr id="160" name="Google Shape;69;p14"/>
           <p:cNvSpPr txBox="1"/>
           <p:nvPr/>
         </p:nvSpPr>
         <p:spPr>
           <a:xfrm>
-            <a:off x="552708" y="1928112"/>
-            <a:ext cx="10544679" cy="1742401"/>
+            <a:off x="583930" y="1815086"/>
+            <a:ext cx="10544679" cy="1082001"/>
           </a:xfrm>
           <a:prstGeom prst="rect">
             <a:avLst/>
@@ -14332,285 +13786,6 @@
           </a:bodyPr>
           <a:lstStyle/>
           <a:p>
-            <a:pPr marL="260684" indent="-260684" defTabSz="1219200">
-              <a:lnSpc>
-                <a:spcPct val="120000"/>
-              </a:lnSpc>
-              <a:buSzPct val="100000"/>
-              <a:buChar char="•"/>
-              <a:defRPr sz="2600">
-                <a:solidFill>
-                  <a:srgbClr val="FFFFFF"/>
-                </a:solidFill>
-                <a:latin typeface="Avenir Book"/>
-                <a:ea typeface="Avenir Book"/>
-                <a:cs typeface="Avenir Book"/>
-                <a:sym typeface="Avenir Book"/>
-              </a:defRPr>
-            </a:pPr>
-            <a:r>
-              <a:t>First, let’s find the UK id</a:t>
-            </a:r>
-          </a:p>
-          <a:p>
-            <a:pPr defTabSz="1219200">
-              <a:lnSpc>
-                <a:spcPct val="120000"/>
-              </a:lnSpc>
-              <a:defRPr sz="3000">
-                <a:solidFill>
-                  <a:srgbClr val="FFFFFF"/>
-                </a:solidFill>
-                <a:latin typeface="Courier New"/>
-                <a:ea typeface="Courier New"/>
-                <a:cs typeface="Courier New"/>
-                <a:sym typeface="Courier New"/>
-              </a:defRPr>
-            </a:pPr>
-            <a:r>
-              <a:t>SELECT * FROM country</a:t>
-            </a:r>
-          </a:p>
-          <a:p>
-            <a:pPr defTabSz="1219200">
-              <a:lnSpc>
-                <a:spcPct val="120000"/>
-              </a:lnSpc>
-              <a:defRPr sz="3000">
-                <a:solidFill>
-                  <a:srgbClr val="FFFFFF"/>
-                </a:solidFill>
-                <a:latin typeface="Courier New"/>
-                <a:ea typeface="Courier New"/>
-                <a:cs typeface="Courier New"/>
-                <a:sym typeface="Courier New"/>
-              </a:defRPr>
-            </a:pPr>
-            <a:r>
-              <a:t>WHERE country = ‘United Kingdom’;</a:t>
-            </a:r>
-          </a:p>
-        </p:txBody>
-      </p:sp>
-      <p:pic>
-        <p:nvPicPr>
-          <p:cNvPr id="164" name="Captura de pantalla 2021-07-17 a las 4.05.31.png" descr="Captura de pantalla 2021-07-17 a las 4.05.31.png"/>
-          <p:cNvPicPr>
-            <a:picLocks noChangeAspect="1"/>
-          </p:cNvPicPr>
-          <p:nvPr/>
-        </p:nvPicPr>
-        <p:blipFill>
-          <a:blip r:embed="rId3">
-            <a:extLst/>
-          </a:blip>
-          <a:srcRect l="0" t="10206" r="0" b="10206"/>
-          <a:stretch>
-            <a:fillRect/>
-          </a:stretch>
-        </p:blipFill>
-        <p:spPr>
-          <a:xfrm>
-            <a:off x="1856297" y="3668481"/>
-            <a:ext cx="7937501" cy="1104901"/>
-          </a:xfrm>
-          <a:prstGeom prst="rect">
-            <a:avLst/>
-          </a:prstGeom>
-          <a:ln w="12700">
-            <a:miter lim="400000"/>
-          </a:ln>
-        </p:spPr>
-      </p:pic>
-      <p:sp>
-        <p:nvSpPr>
-          <p:cNvPr id="165" name="Google Shape;69;p14"/>
-          <p:cNvSpPr txBox="1"/>
-          <p:nvPr/>
-        </p:nvSpPr>
-        <p:spPr>
-          <a:xfrm>
-            <a:off x="779561" y="4907655"/>
-            <a:ext cx="10544679" cy="586701"/>
-          </a:xfrm>
-          <a:prstGeom prst="rect">
-            <a:avLst/>
-          </a:prstGeom>
-          <a:ln w="12700">
-            <a:miter lim="400000"/>
-          </a:ln>
-          <a:extLst>
-            <a:ext uri="{C572A759-6A51-4108-AA02-DFA0A04FC94B}">
-              <ma14:wrappingTextBoxFlag xmlns:ma14="http://schemas.microsoft.com/office/mac/drawingml/2011/main" val="1"/>
-            </a:ext>
-          </a:extLst>
-        </p:spPr>
-        <p:txBody>
-          <a:bodyPr lIns="121899" tIns="121899" rIns="121899" bIns="121899">
-            <a:spAutoFit/>
-          </a:bodyPr>
-          <a:lstStyle>
-            <a:lvl1pPr defTabSz="1219200">
-              <a:lnSpc>
-                <a:spcPct val="120000"/>
-              </a:lnSpc>
-              <a:defRPr sz="2000">
-                <a:solidFill>
-                  <a:srgbClr val="FFFFFF"/>
-                </a:solidFill>
-                <a:latin typeface="Avenir Book Oblique"/>
-                <a:ea typeface="Avenir Book Oblique"/>
-                <a:cs typeface="Avenir Book Oblique"/>
-                <a:sym typeface="Avenir Book Oblique"/>
-              </a:defRPr>
-            </a:lvl1pPr>
-          </a:lstStyle>
-          <a:p>
-            <a:pPr/>
-            <a:r>
-              <a:t>We can look cities whose country_id =102</a:t>
-            </a:r>
-          </a:p>
-        </p:txBody>
-      </p:sp>
-    </p:spTree>
-  </p:cSld>
-  <p:clrMapOvr>
-    <a:masterClrMapping/>
-  </p:clrMapOvr>
-  <p:transition xmlns:p14="http://schemas.microsoft.com/office/powerpoint/2010/main" spd="med" advClick="1"/>
-</p:sld>
-</file>
-
-<file path=ppt/slides/slide9.xml><?xml version="1.0" encoding="utf-8"?>
-<p:sld xmlns:a="http://schemas.openxmlformats.org/drawingml/2006/main" xmlns:r="http://schemas.openxmlformats.org/officeDocument/2006/relationships" xmlns:p="http://schemas.openxmlformats.org/presentationml/2006/main" xmlns:m="http://schemas.openxmlformats.org/officeDocument/2006/math" xmlns:a14="http://schemas.microsoft.com/office/drawing/2010/main" showMasterSp="1" showMasterPhAnim="1">
-  <p:cSld>
-    <p:bg>
-      <p:bgPr>
-        <a:solidFill>
-          <a:srgbClr val="EDDACC"/>
-        </a:solidFill>
-      </p:bgPr>
-    </p:bg>
-    <p:spTree>
-      <p:nvGrpSpPr>
-        <p:cNvPr id="1" name=""/>
-        <p:cNvGrpSpPr/>
-        <p:nvPr/>
-      </p:nvGrpSpPr>
-      <p:grpSpPr>
-        <a:xfrm>
-          <a:off x="0" y="0"/>
-          <a:ext cx="0" cy="0"/>
-          <a:chOff x="0" y="0"/>
-          <a:chExt cx="0" cy="0"/>
-        </a:xfrm>
-      </p:grpSpPr>
-      <p:pic>
-        <p:nvPicPr>
-          <p:cNvPr id="167" name="5f461d116006137.6059ac1f3a043.jpg" descr="5f461d116006137.6059ac1f3a043.jpg"/>
-          <p:cNvPicPr>
-            <a:picLocks noChangeAspect="1"/>
-          </p:cNvPicPr>
-          <p:nvPr/>
-        </p:nvPicPr>
-        <p:blipFill>
-          <a:blip r:embed="rId2">
-            <a:extLst/>
-          </a:blip>
-          <a:stretch>
-            <a:fillRect/>
-          </a:stretch>
-        </p:blipFill>
-        <p:spPr>
-          <a:xfrm>
-            <a:off x="-38625" y="-1281005"/>
-            <a:ext cx="12269250" cy="8179500"/>
-          </a:xfrm>
-          <a:prstGeom prst="rect">
-            <a:avLst/>
-          </a:prstGeom>
-          <a:ln w="12700">
-            <a:miter lim="400000"/>
-          </a:ln>
-        </p:spPr>
-      </p:pic>
-      <p:sp>
-        <p:nvSpPr>
-          <p:cNvPr id="168" name="Google Shape;55;p13"/>
-          <p:cNvSpPr txBox="1"/>
-          <p:nvPr>
-            <p:ph type="title"/>
-          </p:nvPr>
-        </p:nvSpPr>
-        <p:spPr>
-          <a:xfrm>
-            <a:off x="415599" y="265599"/>
-            <a:ext cx="11360802" cy="1320401"/>
-          </a:xfrm>
-          <a:prstGeom prst="rect">
-            <a:avLst/>
-          </a:prstGeom>
-        </p:spPr>
-        <p:txBody>
-          <a:bodyPr/>
-          <a:lstStyle/>
-          <a:p>
-            <a:pPr defTabSz="1109472">
-              <a:defRPr sz="6188">
-                <a:solidFill>
-                  <a:srgbClr val="FFFFFF"/>
-                </a:solidFill>
-                <a:latin typeface="Avenir Book"/>
-                <a:ea typeface="Avenir Book"/>
-                <a:cs typeface="Avenir Book"/>
-                <a:sym typeface="Avenir Book"/>
-              </a:defRPr>
-            </a:pPr>
-            <a:r>
-              <a:t>Why using </a:t>
-            </a:r>
-            <a:r>
-              <a:rPr>
-                <a:latin typeface="Courier New"/>
-                <a:ea typeface="Courier New"/>
-                <a:cs typeface="Courier New"/>
-                <a:sym typeface="Courier New"/>
-              </a:rPr>
-              <a:t>JOIN</a:t>
-            </a:r>
-          </a:p>
-        </p:txBody>
-      </p:sp>
-      <p:sp>
-        <p:nvSpPr>
-          <p:cNvPr id="169" name="Google Shape;69;p14"/>
-          <p:cNvSpPr txBox="1"/>
-          <p:nvPr/>
-        </p:nvSpPr>
-        <p:spPr>
-          <a:xfrm>
-            <a:off x="583930" y="1815086"/>
-            <a:ext cx="10544679" cy="1082001"/>
-          </a:xfrm>
-          <a:prstGeom prst="rect">
-            <a:avLst/>
-          </a:prstGeom>
-          <a:ln w="12700">
-            <a:miter lim="400000"/>
-          </a:ln>
-          <a:extLst>
-            <a:ext uri="{C572A759-6A51-4108-AA02-DFA0A04FC94B}">
-              <ma14:wrappingTextBoxFlag xmlns:ma14="http://schemas.microsoft.com/office/mac/drawingml/2011/main" val="1"/>
-            </a:ext>
-          </a:extLst>
-        </p:spPr>
-        <p:txBody>
-          <a:bodyPr lIns="121899" tIns="121899" rIns="121899" bIns="121899">
-            <a:spAutoFit/>
-          </a:bodyPr>
-          <a:lstStyle/>
-          <a:p>
             <a:pPr defTabSz="1219200">
               <a:lnSpc>
                 <a:spcPct val="120000"/>
@@ -14652,7 +13827,7 @@
       </p:sp>
       <p:pic>
         <p:nvPicPr>
-          <p:cNvPr id="170" name="Captura de pantalla 2021-07-17 a las 11.06.59.png" descr="Captura de pantalla 2021-07-17 a las 11.06.59.png"/>
+          <p:cNvPr id="161" name="Captura de pantalla 2021-07-17 a las 11.06.59.png" descr="Captura de pantalla 2021-07-17 a las 11.06.59.png"/>
           <p:cNvPicPr>
             <a:picLocks noChangeAspect="1"/>
           </p:cNvPicPr>
@@ -14681,7 +13856,7 @@
       </p:pic>
       <p:sp>
         <p:nvSpPr>
-          <p:cNvPr id="171" name="Rectángulo"/>
+          <p:cNvPr id="162" name="Rectángulo"/>
           <p:cNvSpPr/>
           <p:nvPr/>
         </p:nvSpPr>
